--- a/paper/figures/aggregation.pptx
+++ b/paper/figures/aggregation.pptx
@@ -244,7 +244,7 @@
           <a:p>
             <a:fld id="{D1C2FE12-02FD-40D2-9E73-08CF8D46514A}" type="datetimeFigureOut">
               <a:rPr lang="en-US" smtClean="0"/>
-              <a:t>1/22/2016</a:t>
+              <a:t>1/28/16</a:t>
             </a:fld>
             <a:endParaRPr lang="en-US"/>
           </a:p>
@@ -414,7 +414,7 @@
           <a:p>
             <a:fld id="{D1C2FE12-02FD-40D2-9E73-08CF8D46514A}" type="datetimeFigureOut">
               <a:rPr lang="en-US" smtClean="0"/>
-              <a:t>1/22/2016</a:t>
+              <a:t>1/28/16</a:t>
             </a:fld>
             <a:endParaRPr lang="en-US"/>
           </a:p>
@@ -594,7 +594,7 @@
           <a:p>
             <a:fld id="{D1C2FE12-02FD-40D2-9E73-08CF8D46514A}" type="datetimeFigureOut">
               <a:rPr lang="en-US" smtClean="0"/>
-              <a:t>1/22/2016</a:t>
+              <a:t>1/28/16</a:t>
             </a:fld>
             <a:endParaRPr lang="en-US"/>
           </a:p>
@@ -764,7 +764,7 @@
           <a:p>
             <a:fld id="{D1C2FE12-02FD-40D2-9E73-08CF8D46514A}" type="datetimeFigureOut">
               <a:rPr lang="en-US" smtClean="0"/>
-              <a:t>1/22/2016</a:t>
+              <a:t>1/28/16</a:t>
             </a:fld>
             <a:endParaRPr lang="en-US"/>
           </a:p>
@@ -1010,7 +1010,7 @@
           <a:p>
             <a:fld id="{D1C2FE12-02FD-40D2-9E73-08CF8D46514A}" type="datetimeFigureOut">
               <a:rPr lang="en-US" smtClean="0"/>
-              <a:t>1/22/2016</a:t>
+              <a:t>1/28/16</a:t>
             </a:fld>
             <a:endParaRPr lang="en-US"/>
           </a:p>
@@ -1242,7 +1242,7 @@
           <a:p>
             <a:fld id="{D1C2FE12-02FD-40D2-9E73-08CF8D46514A}" type="datetimeFigureOut">
               <a:rPr lang="en-US" smtClean="0"/>
-              <a:t>1/22/2016</a:t>
+              <a:t>1/28/16</a:t>
             </a:fld>
             <a:endParaRPr lang="en-US"/>
           </a:p>
@@ -1609,7 +1609,7 @@
           <a:p>
             <a:fld id="{D1C2FE12-02FD-40D2-9E73-08CF8D46514A}" type="datetimeFigureOut">
               <a:rPr lang="en-US" smtClean="0"/>
-              <a:t>1/22/2016</a:t>
+              <a:t>1/28/16</a:t>
             </a:fld>
             <a:endParaRPr lang="en-US"/>
           </a:p>
@@ -1727,7 +1727,7 @@
           <a:p>
             <a:fld id="{D1C2FE12-02FD-40D2-9E73-08CF8D46514A}" type="datetimeFigureOut">
               <a:rPr lang="en-US" smtClean="0"/>
-              <a:t>1/22/2016</a:t>
+              <a:t>1/28/16</a:t>
             </a:fld>
             <a:endParaRPr lang="en-US"/>
           </a:p>
@@ -1822,7 +1822,7 @@
           <a:p>
             <a:fld id="{D1C2FE12-02FD-40D2-9E73-08CF8D46514A}" type="datetimeFigureOut">
               <a:rPr lang="en-US" smtClean="0"/>
-              <a:t>1/22/2016</a:t>
+              <a:t>1/28/16</a:t>
             </a:fld>
             <a:endParaRPr lang="en-US"/>
           </a:p>
@@ -2099,7 +2099,7 @@
           <a:p>
             <a:fld id="{D1C2FE12-02FD-40D2-9E73-08CF8D46514A}" type="datetimeFigureOut">
               <a:rPr lang="en-US" smtClean="0"/>
-              <a:t>1/22/2016</a:t>
+              <a:t>1/28/16</a:t>
             </a:fld>
             <a:endParaRPr lang="en-US"/>
           </a:p>
@@ -2352,7 +2352,7 @@
           <a:p>
             <a:fld id="{D1C2FE12-02FD-40D2-9E73-08CF8D46514A}" type="datetimeFigureOut">
               <a:rPr lang="en-US" smtClean="0"/>
-              <a:t>1/22/2016</a:t>
+              <a:t>1/28/16</a:t>
             </a:fld>
             <a:endParaRPr lang="en-US"/>
           </a:p>
@@ -2565,7 +2565,7 @@
           <a:p>
             <a:fld id="{D1C2FE12-02FD-40D2-9E73-08CF8D46514A}" type="datetimeFigureOut">
               <a:rPr lang="en-US" smtClean="0"/>
-              <a:t>1/22/2016</a:t>
+              <a:t>1/28/16</a:t>
             </a:fld>
             <a:endParaRPr lang="en-US"/>
           </a:p>
@@ -3032,496 +3032,70 @@
           </a:p>
         </p:txBody>
       </p:sp>
-      <p:sp>
-        <p:nvSpPr>
-          <p:cNvPr id="59" name="Rectangle 58"/>
-          <p:cNvSpPr/>
-          <p:nvPr/>
-        </p:nvSpPr>
-        <p:spPr>
-          <a:xfrm>
-            <a:off x="1164812" y="2369544"/>
-            <a:ext cx="385930" cy="326113"/>
-          </a:xfrm>
-          <a:prstGeom prst="rect">
-            <a:avLst/>
-          </a:prstGeom>
-          <a:solidFill>
-            <a:schemeClr val="bg2">
-              <a:lumMod val="90000"/>
-            </a:schemeClr>
-          </a:solidFill>
-          <a:ln>
-            <a:solidFill>
-              <a:schemeClr val="tx1"/>
-            </a:solidFill>
-          </a:ln>
-        </p:spPr>
-        <p:style>
-          <a:lnRef idx="2">
-            <a:schemeClr val="accent1">
-              <a:shade val="50000"/>
-            </a:schemeClr>
-          </a:lnRef>
-          <a:fillRef idx="1">
-            <a:schemeClr val="accent1"/>
-          </a:fillRef>
-          <a:effectRef idx="0">
-            <a:schemeClr val="accent1"/>
-          </a:effectRef>
-          <a:fontRef idx="minor">
-            <a:schemeClr val="lt1"/>
-          </a:fontRef>
-        </p:style>
-        <p:txBody>
-          <a:bodyPr rtlCol="0" anchor="ctr"/>
-          <a:lstStyle/>
-          <a:p>
-            <a:pPr algn="ctr"/>
-            <a:r>
-              <a:rPr lang="en-US" sz="2400" dirty="0" smtClean="0">
-                <a:solidFill>
-                  <a:schemeClr val="tx1"/>
-                </a:solidFill>
-              </a:rPr>
-              <a:t>X</a:t>
-            </a:r>
-            <a:endParaRPr lang="en-US" sz="2400" dirty="0">
-              <a:solidFill>
-                <a:schemeClr val="tx1"/>
-              </a:solidFill>
-            </a:endParaRPr>
-          </a:p>
-        </p:txBody>
-      </p:sp>
-      <p:sp>
-        <p:nvSpPr>
-          <p:cNvPr id="67" name="Rectangle 66"/>
-          <p:cNvSpPr/>
-          <p:nvPr/>
-        </p:nvSpPr>
-        <p:spPr>
-          <a:xfrm>
-            <a:off x="2743047" y="2375606"/>
-            <a:ext cx="385930" cy="326113"/>
-          </a:xfrm>
-          <a:prstGeom prst="rect">
-            <a:avLst/>
-          </a:prstGeom>
-          <a:solidFill>
-            <a:schemeClr val="bg2">
-              <a:lumMod val="90000"/>
-            </a:schemeClr>
-          </a:solidFill>
-          <a:ln>
-            <a:solidFill>
-              <a:schemeClr val="tx1"/>
-            </a:solidFill>
-          </a:ln>
-        </p:spPr>
-        <p:style>
-          <a:lnRef idx="2">
-            <a:schemeClr val="accent1">
-              <a:shade val="50000"/>
-            </a:schemeClr>
-          </a:lnRef>
-          <a:fillRef idx="1">
-            <a:schemeClr val="accent1"/>
-          </a:fillRef>
-          <a:effectRef idx="0">
-            <a:schemeClr val="accent1"/>
-          </a:effectRef>
-          <a:fontRef idx="minor">
-            <a:schemeClr val="lt1"/>
-          </a:fontRef>
-        </p:style>
-        <p:txBody>
-          <a:bodyPr rtlCol="0" anchor="ctr"/>
-          <a:lstStyle/>
-          <a:p>
-            <a:pPr algn="ctr"/>
-            <a:r>
-              <a:rPr lang="en-US" sz="2400" dirty="0" smtClean="0">
-                <a:solidFill>
-                  <a:schemeClr val="tx1"/>
-                </a:solidFill>
-              </a:rPr>
-              <a:t>Y</a:t>
-            </a:r>
-            <a:endParaRPr lang="en-US" sz="2400" dirty="0">
-              <a:solidFill>
-                <a:schemeClr val="tx1"/>
-              </a:solidFill>
-            </a:endParaRPr>
-          </a:p>
-        </p:txBody>
-      </p:sp>
-      <p:cxnSp>
-        <p:nvCxnSpPr>
-          <p:cNvPr id="115" name="Straight Connector 114"/>
-          <p:cNvCxnSpPr>
-            <a:stCxn id="59" idx="2"/>
-            <a:endCxn id="51" idx="0"/>
-          </p:cNvCxnSpPr>
-          <p:nvPr/>
-        </p:nvCxnSpPr>
-        <p:spPr>
-          <a:xfrm flipH="1">
-            <a:off x="884551" y="2695657"/>
-            <a:ext cx="473226" cy="607690"/>
-          </a:xfrm>
-          <a:prstGeom prst="line">
-            <a:avLst/>
-          </a:prstGeom>
-          <a:ln w="19050">
-            <a:solidFill>
-              <a:schemeClr val="tx1"/>
-            </a:solidFill>
-          </a:ln>
-        </p:spPr>
-        <p:style>
-          <a:lnRef idx="1">
-            <a:schemeClr val="accent1"/>
-          </a:lnRef>
-          <a:fillRef idx="0">
-            <a:schemeClr val="accent1"/>
-          </a:fillRef>
-          <a:effectRef idx="0">
-            <a:schemeClr val="accent1"/>
-          </a:effectRef>
-          <a:fontRef idx="minor">
-            <a:schemeClr val="tx1"/>
-          </a:fontRef>
-        </p:style>
-      </p:cxnSp>
-      <p:cxnSp>
-        <p:nvCxnSpPr>
-          <p:cNvPr id="116" name="Straight Connector 115"/>
-          <p:cNvCxnSpPr>
-            <a:stCxn id="67" idx="2"/>
-            <a:endCxn id="51" idx="0"/>
-          </p:cNvCxnSpPr>
-          <p:nvPr/>
-        </p:nvCxnSpPr>
-        <p:spPr>
-          <a:xfrm flipH="1">
-            <a:off x="884551" y="2701719"/>
-            <a:ext cx="2051461" cy="601628"/>
-          </a:xfrm>
-          <a:prstGeom prst="line">
-            <a:avLst/>
-          </a:prstGeom>
-          <a:ln w="19050">
-            <a:solidFill>
-              <a:schemeClr val="tx1"/>
-            </a:solidFill>
-          </a:ln>
-        </p:spPr>
-        <p:style>
-          <a:lnRef idx="1">
-            <a:schemeClr val="accent1"/>
-          </a:lnRef>
-          <a:fillRef idx="0">
-            <a:schemeClr val="accent1"/>
-          </a:fillRef>
-          <a:effectRef idx="0">
-            <a:schemeClr val="accent1"/>
-          </a:effectRef>
-          <a:fontRef idx="minor">
-            <a:schemeClr val="tx1"/>
-          </a:fontRef>
-        </p:style>
-      </p:cxnSp>
-      <p:cxnSp>
-        <p:nvCxnSpPr>
-          <p:cNvPr id="117" name="Straight Connector 116"/>
-          <p:cNvCxnSpPr>
-            <a:stCxn id="59" idx="2"/>
-            <a:endCxn id="52" idx="0"/>
-          </p:cNvCxnSpPr>
-          <p:nvPr/>
-        </p:nvCxnSpPr>
-        <p:spPr>
-          <a:xfrm>
-            <a:off x="1357777" y="2695657"/>
-            <a:ext cx="285325" cy="607690"/>
-          </a:xfrm>
-          <a:prstGeom prst="line">
-            <a:avLst/>
-          </a:prstGeom>
-          <a:ln w="19050">
-            <a:solidFill>
-              <a:schemeClr val="tx1"/>
-            </a:solidFill>
-          </a:ln>
-        </p:spPr>
-        <p:style>
-          <a:lnRef idx="1">
-            <a:schemeClr val="accent1"/>
-          </a:lnRef>
-          <a:fillRef idx="0">
-            <a:schemeClr val="accent1"/>
-          </a:fillRef>
-          <a:effectRef idx="0">
-            <a:schemeClr val="accent1"/>
-          </a:effectRef>
-          <a:fontRef idx="minor">
-            <a:schemeClr val="tx1"/>
-          </a:fontRef>
-        </p:style>
-      </p:cxnSp>
-      <p:cxnSp>
-        <p:nvCxnSpPr>
-          <p:cNvPr id="118" name="Straight Connector 117"/>
-          <p:cNvCxnSpPr>
-            <a:stCxn id="67" idx="2"/>
-            <a:endCxn id="114" idx="0"/>
-          </p:cNvCxnSpPr>
-          <p:nvPr/>
-        </p:nvCxnSpPr>
-        <p:spPr>
-          <a:xfrm>
-            <a:off x="2936012" y="2701719"/>
-            <a:ext cx="475758" cy="612406"/>
-          </a:xfrm>
-          <a:prstGeom prst="line">
-            <a:avLst/>
-          </a:prstGeom>
-          <a:ln w="19050">
-            <a:solidFill>
-              <a:schemeClr val="tx1"/>
-            </a:solidFill>
-          </a:ln>
-        </p:spPr>
-        <p:style>
-          <a:lnRef idx="1">
-            <a:schemeClr val="accent1"/>
-          </a:lnRef>
-          <a:fillRef idx="0">
-            <a:schemeClr val="accent1"/>
-          </a:fillRef>
-          <a:effectRef idx="0">
-            <a:schemeClr val="accent1"/>
-          </a:effectRef>
-          <a:fontRef idx="minor">
-            <a:schemeClr val="tx1"/>
-          </a:fontRef>
-        </p:style>
-      </p:cxnSp>
-      <p:cxnSp>
-        <p:nvCxnSpPr>
-          <p:cNvPr id="119" name="Straight Connector 118"/>
-          <p:cNvCxnSpPr>
-            <a:stCxn id="67" idx="2"/>
-            <a:endCxn id="113" idx="0"/>
-          </p:cNvCxnSpPr>
-          <p:nvPr/>
-        </p:nvCxnSpPr>
-        <p:spPr>
-          <a:xfrm flipH="1">
-            <a:off x="2653219" y="2701719"/>
-            <a:ext cx="282793" cy="612406"/>
-          </a:xfrm>
-          <a:prstGeom prst="line">
-            <a:avLst/>
-          </a:prstGeom>
-          <a:ln w="19050">
-            <a:solidFill>
-              <a:schemeClr val="tx1"/>
-            </a:solidFill>
-          </a:ln>
-        </p:spPr>
-        <p:style>
-          <a:lnRef idx="1">
-            <a:schemeClr val="accent1"/>
-          </a:lnRef>
-          <a:fillRef idx="0">
-            <a:schemeClr val="accent1"/>
-          </a:fillRef>
-          <a:effectRef idx="0">
-            <a:schemeClr val="accent1"/>
-          </a:effectRef>
-          <a:fontRef idx="minor">
-            <a:schemeClr val="tx1"/>
-          </a:fontRef>
-        </p:style>
-      </p:cxnSp>
-      <p:cxnSp>
-        <p:nvCxnSpPr>
-          <p:cNvPr id="120" name="Straight Connector 119"/>
-          <p:cNvCxnSpPr>
-            <a:stCxn id="67" idx="2"/>
-            <a:endCxn id="52" idx="0"/>
-          </p:cNvCxnSpPr>
-          <p:nvPr/>
-        </p:nvCxnSpPr>
-        <p:spPr>
-          <a:xfrm flipH="1">
-            <a:off x="1643102" y="2701719"/>
-            <a:ext cx="1292910" cy="601628"/>
-          </a:xfrm>
-          <a:prstGeom prst="line">
-            <a:avLst/>
-          </a:prstGeom>
-          <a:ln w="19050">
-            <a:solidFill>
-              <a:schemeClr val="tx1"/>
-            </a:solidFill>
-          </a:ln>
-        </p:spPr>
-        <p:style>
-          <a:lnRef idx="1">
-            <a:schemeClr val="accent1"/>
-          </a:lnRef>
-          <a:fillRef idx="0">
-            <a:schemeClr val="accent1"/>
-          </a:fillRef>
-          <a:effectRef idx="0">
-            <a:schemeClr val="accent1"/>
-          </a:effectRef>
-          <a:fontRef idx="minor">
-            <a:schemeClr val="tx1"/>
-          </a:fontRef>
-        </p:style>
-      </p:cxnSp>
-      <p:cxnSp>
-        <p:nvCxnSpPr>
-          <p:cNvPr id="121" name="Straight Connector 120"/>
-          <p:cNvCxnSpPr>
-            <a:stCxn id="59" idx="2"/>
-            <a:endCxn id="114" idx="0"/>
-          </p:cNvCxnSpPr>
-          <p:nvPr/>
-        </p:nvCxnSpPr>
-        <p:spPr>
-          <a:xfrm>
-            <a:off x="1357777" y="2695657"/>
-            <a:ext cx="2053993" cy="618468"/>
-          </a:xfrm>
-          <a:prstGeom prst="line">
-            <a:avLst/>
-          </a:prstGeom>
-          <a:ln w="19050">
-            <a:solidFill>
-              <a:schemeClr val="tx1"/>
-            </a:solidFill>
-          </a:ln>
-        </p:spPr>
-        <p:style>
-          <a:lnRef idx="1">
-            <a:schemeClr val="accent1"/>
-          </a:lnRef>
-          <a:fillRef idx="0">
-            <a:schemeClr val="accent1"/>
-          </a:fillRef>
-          <a:effectRef idx="0">
-            <a:schemeClr val="accent1"/>
-          </a:effectRef>
-          <a:fontRef idx="minor">
-            <a:schemeClr val="tx1"/>
-          </a:fontRef>
-        </p:style>
-      </p:cxnSp>
-      <p:cxnSp>
-        <p:nvCxnSpPr>
-          <p:cNvPr id="122" name="Straight Connector 121"/>
-          <p:cNvCxnSpPr>
-            <a:stCxn id="59" idx="2"/>
-            <a:endCxn id="113" idx="0"/>
-          </p:cNvCxnSpPr>
-          <p:nvPr/>
-        </p:nvCxnSpPr>
-        <p:spPr>
-          <a:xfrm>
-            <a:off x="1357777" y="2695657"/>
-            <a:ext cx="1295442" cy="618468"/>
-          </a:xfrm>
-          <a:prstGeom prst="line">
-            <a:avLst/>
-          </a:prstGeom>
-          <a:ln w="19050">
-            <a:solidFill>
-              <a:schemeClr val="tx1"/>
-            </a:solidFill>
-          </a:ln>
-        </p:spPr>
-        <p:style>
-          <a:lnRef idx="1">
-            <a:schemeClr val="accent1"/>
-          </a:lnRef>
-          <a:fillRef idx="0">
-            <a:schemeClr val="accent1"/>
-          </a:fillRef>
-          <a:effectRef idx="0">
-            <a:schemeClr val="accent1"/>
-          </a:effectRef>
-          <a:fontRef idx="minor">
-            <a:schemeClr val="tx1"/>
-          </a:fontRef>
-        </p:style>
-      </p:cxnSp>
       <p:grpSp>
         <p:nvGrpSpPr>
-          <p:cNvPr id="12" name="Group 11"/>
+          <p:cNvPr id="8" name="Group 7"/>
           <p:cNvGrpSpPr/>
           <p:nvPr/>
         </p:nvGrpSpPr>
         <p:grpSpPr>
           <a:xfrm>
-            <a:off x="578496" y="3140061"/>
-            <a:ext cx="1367053" cy="1528912"/>
-            <a:chOff x="3494225" y="2201543"/>
-            <a:chExt cx="1367053" cy="1528912"/>
+            <a:off x="543158" y="1604953"/>
+            <a:ext cx="6651724" cy="3287961"/>
+            <a:chOff x="543158" y="1604953"/>
+            <a:chExt cx="6651724" cy="3287961"/>
           </a:xfrm>
         </p:grpSpPr>
         <p:grpSp>
           <p:nvGrpSpPr>
-            <p:cNvPr id="13" name="Group 12"/>
+            <p:cNvPr id="195" name="Group 194"/>
             <p:cNvGrpSpPr/>
             <p:nvPr/>
           </p:nvGrpSpPr>
           <p:grpSpPr>
             <a:xfrm>
-              <a:off x="3607315" y="2364829"/>
-              <a:ext cx="1144481" cy="938289"/>
-              <a:chOff x="3181417" y="3788229"/>
-              <a:chExt cx="1872343" cy="1785257"/>
+              <a:off x="3868505" y="1806789"/>
+              <a:ext cx="2930546" cy="3051052"/>
+              <a:chOff x="4687799" y="1577993"/>
+              <a:chExt cx="2930546" cy="3051052"/>
             </a:xfrm>
           </p:grpSpPr>
           <p:grpSp>
             <p:nvGrpSpPr>
-              <p:cNvPr id="3" name="Group 2"/>
+              <p:cNvPr id="47" name="Group 46"/>
               <p:cNvGrpSpPr/>
               <p:nvPr/>
             </p:nvGrpSpPr>
             <p:grpSpPr>
               <a:xfrm>
-                <a:off x="3181417" y="3788229"/>
-                <a:ext cx="1872343" cy="1785257"/>
-                <a:chOff x="3181417" y="3788229"/>
-                <a:chExt cx="1872343" cy="1785257"/>
+                <a:off x="7028904" y="1808025"/>
+                <a:ext cx="589441" cy="561314"/>
+                <a:chOff x="2064189" y="1140737"/>
+                <a:chExt cx="589441" cy="561314"/>
               </a:xfrm>
+              <a:solidFill>
+                <a:schemeClr val="accent2">
+                  <a:lumMod val="20000"/>
+                  <a:lumOff val="80000"/>
+                </a:schemeClr>
+              </a:solidFill>
             </p:grpSpPr>
             <p:sp>
               <p:nvSpPr>
-                <p:cNvPr id="2" name="Rectangle 1"/>
+                <p:cNvPr id="143" name="Oval 142"/>
                 <p:cNvSpPr/>
                 <p:nvPr/>
               </p:nvSpPr>
               <p:spPr>
                 <a:xfrm>
-                  <a:off x="3181417" y="4953000"/>
-                  <a:ext cx="631372" cy="620486"/>
+                  <a:off x="2064189" y="1140737"/>
+                  <a:ext cx="589441" cy="561314"/>
                 </a:xfrm>
-                <a:prstGeom prst="rect">
+                <a:prstGeom prst="ellipse">
                   <a:avLst/>
                 </a:prstGeom>
-                <a:solidFill>
-                  <a:schemeClr val="bg2">
-                    <a:lumMod val="90000"/>
-                  </a:schemeClr>
-                </a:solidFill>
-                <a:ln>
+                <a:grpFill/>
+                <a:ln w="9525">
                   <a:solidFill>
                     <a:schemeClr val="tx1"/>
                   </a:solidFill>
@@ -3548,42 +3122,74 @@
                 <a:lstStyle/>
                 <a:p>
                   <a:pPr algn="ctr"/>
-                  <a:r>
-                    <a:rPr lang="en-US" sz="2400" dirty="0" smtClean="0">
-                      <a:solidFill>
-                        <a:schemeClr val="tx1"/>
-                      </a:solidFill>
-                    </a:rPr>
-                    <a:t>A</a:t>
-                  </a:r>
-                  <a:endParaRPr lang="en-US" sz="2400" dirty="0">
-                    <a:solidFill>
-                      <a:schemeClr val="tx1"/>
-                    </a:solidFill>
-                  </a:endParaRPr>
+                  <a:endParaRPr lang="en-US"/>
                 </a:p>
               </p:txBody>
             </p:sp>
             <p:sp>
               <p:nvSpPr>
-                <p:cNvPr id="50" name="Rectangle 49"/>
+                <p:cNvPr id="144" name="TextBox 143"/>
+                <p:cNvSpPr txBox="1"/>
+                <p:nvPr/>
+              </p:nvSpPr>
+              <p:spPr>
+                <a:xfrm>
+                  <a:off x="2221691" y="1282894"/>
+                  <a:ext cx="274435" cy="276999"/>
+                </a:xfrm>
+                <a:prstGeom prst="rect">
+                  <a:avLst/>
+                </a:prstGeom>
+                <a:grpFill/>
+              </p:spPr>
+              <p:txBody>
+                <a:bodyPr wrap="none" rtlCol="0">
+                  <a:spAutoFit/>
+                </a:bodyPr>
+                <a:lstStyle/>
+                <a:p>
+                  <a:pPr algn="ctr"/>
+                  <a:r>
+                    <a:rPr lang="en-US" sz="1200" dirty="0" smtClean="0"/>
+                    <a:t>A</a:t>
+                  </a:r>
+                  <a:endParaRPr lang="en-US" sz="1200" dirty="0"/>
+                </a:p>
+              </p:txBody>
+            </p:sp>
+          </p:grpSp>
+          <p:grpSp>
+            <p:nvGrpSpPr>
+              <p:cNvPr id="56" name="Group 55"/>
+              <p:cNvGrpSpPr/>
+              <p:nvPr/>
+            </p:nvGrpSpPr>
+            <p:grpSpPr>
+              <a:xfrm>
+                <a:off x="6180317" y="2695890"/>
+                <a:ext cx="589441" cy="561314"/>
+                <a:chOff x="2064189" y="1140737"/>
+                <a:chExt cx="589441" cy="561314"/>
+              </a:xfrm>
+            </p:grpSpPr>
+            <p:sp>
+              <p:nvSpPr>
+                <p:cNvPr id="133" name="Oval 132"/>
                 <p:cNvSpPr/>
                 <p:nvPr/>
               </p:nvSpPr>
               <p:spPr>
                 <a:xfrm>
-                  <a:off x="4422388" y="4953000"/>
-                  <a:ext cx="631372" cy="620486"/>
+                  <a:off x="2064189" y="1140737"/>
+                  <a:ext cx="589441" cy="561314"/>
                 </a:xfrm>
-                <a:prstGeom prst="rect">
+                <a:prstGeom prst="ellipse">
                   <a:avLst/>
                 </a:prstGeom>
                 <a:solidFill>
-                  <a:schemeClr val="bg2">
-                    <a:lumMod val="90000"/>
-                  </a:schemeClr>
+                  <a:schemeClr val="bg1"/>
                 </a:solidFill>
-                <a:ln>
+                <a:ln w="9525">
                   <a:solidFill>
                     <a:schemeClr val="tx1"/>
                   </a:solidFill>
@@ -3610,42 +3216,74 @@
                 <a:lstStyle/>
                 <a:p>
                   <a:pPr algn="ctr"/>
-                  <a:r>
-                    <a:rPr lang="en-US" sz="2400" dirty="0" smtClean="0">
-                      <a:solidFill>
-                        <a:schemeClr val="tx1"/>
-                      </a:solidFill>
-                    </a:rPr>
-                    <a:t>B</a:t>
-                  </a:r>
-                  <a:endParaRPr lang="en-US" sz="2400" dirty="0">
-                    <a:solidFill>
-                      <a:schemeClr val="tx1"/>
-                    </a:solidFill>
-                  </a:endParaRPr>
+                  <a:endParaRPr lang="en-US"/>
                 </a:p>
               </p:txBody>
             </p:sp>
             <p:sp>
               <p:nvSpPr>
-                <p:cNvPr id="51" name="Rectangle 50"/>
+                <p:cNvPr id="134" name="TextBox 133"/>
+                <p:cNvSpPr txBox="1"/>
+                <p:nvPr/>
+              </p:nvSpPr>
+              <p:spPr>
+                <a:xfrm>
+                  <a:off x="2225699" y="1282894"/>
+                  <a:ext cx="266419" cy="276999"/>
+                </a:xfrm>
+                <a:prstGeom prst="rect">
+                  <a:avLst/>
+                </a:prstGeom>
+                <a:noFill/>
+              </p:spPr>
+              <p:txBody>
+                <a:bodyPr wrap="none" rtlCol="0">
+                  <a:spAutoFit/>
+                </a:bodyPr>
+                <a:lstStyle/>
+                <a:p>
+                  <a:pPr algn="ctr"/>
+                  <a:r>
+                    <a:rPr lang="en-US" sz="1200" dirty="0" smtClean="0"/>
+                    <a:t>C</a:t>
+                  </a:r>
+                  <a:endParaRPr lang="en-US" sz="1200" dirty="0"/>
+                </a:p>
+              </p:txBody>
+            </p:sp>
+          </p:grpSp>
+          <p:grpSp>
+            <p:nvGrpSpPr>
+              <p:cNvPr id="57" name="Group 56"/>
+              <p:cNvGrpSpPr/>
+              <p:nvPr/>
+            </p:nvGrpSpPr>
+            <p:grpSpPr>
+              <a:xfrm>
+                <a:off x="7028904" y="2706379"/>
+                <a:ext cx="589441" cy="561314"/>
+                <a:chOff x="2064189" y="1140737"/>
+                <a:chExt cx="589441" cy="561314"/>
+              </a:xfrm>
+            </p:grpSpPr>
+            <p:sp>
+              <p:nvSpPr>
+                <p:cNvPr id="131" name="Oval 130"/>
                 <p:cNvSpPr/>
                 <p:nvPr/>
               </p:nvSpPr>
               <p:spPr>
                 <a:xfrm>
-                  <a:off x="3181417" y="3788229"/>
-                  <a:ext cx="631372" cy="620486"/>
+                  <a:off x="2064189" y="1140737"/>
+                  <a:ext cx="589441" cy="561314"/>
                 </a:xfrm>
-                <a:prstGeom prst="rect">
+                <a:prstGeom prst="ellipse">
                   <a:avLst/>
                 </a:prstGeom>
                 <a:solidFill>
-                  <a:schemeClr val="bg2">
-                    <a:lumMod val="90000"/>
-                  </a:schemeClr>
+                  <a:schemeClr val="bg1"/>
                 </a:solidFill>
-                <a:ln>
+                <a:ln w="9525">
                   <a:solidFill>
                     <a:schemeClr val="tx1"/>
                   </a:solidFill>
@@ -3672,42 +3310,74 @@
                 <a:lstStyle/>
                 <a:p>
                   <a:pPr algn="ctr"/>
-                  <a:r>
-                    <a:rPr lang="en-US" sz="2400" dirty="0" smtClean="0">
-                      <a:solidFill>
-                        <a:schemeClr val="tx1"/>
-                      </a:solidFill>
-                    </a:rPr>
-                    <a:t>C</a:t>
-                  </a:r>
-                  <a:endParaRPr lang="en-US" sz="2400" dirty="0">
-                    <a:solidFill>
-                      <a:schemeClr val="tx1"/>
-                    </a:solidFill>
-                  </a:endParaRPr>
+                  <a:endParaRPr lang="en-US"/>
                 </a:p>
               </p:txBody>
             </p:sp>
             <p:sp>
               <p:nvSpPr>
-                <p:cNvPr id="52" name="Rectangle 51"/>
+                <p:cNvPr id="132" name="TextBox 131"/>
+                <p:cNvSpPr txBox="1"/>
+                <p:nvPr/>
+              </p:nvSpPr>
+              <p:spPr>
+                <a:xfrm>
+                  <a:off x="2219287" y="1282894"/>
+                  <a:ext cx="279244" cy="276999"/>
+                </a:xfrm>
+                <a:prstGeom prst="rect">
+                  <a:avLst/>
+                </a:prstGeom>
+                <a:noFill/>
+              </p:spPr>
+              <p:txBody>
+                <a:bodyPr wrap="none" rtlCol="0">
+                  <a:spAutoFit/>
+                </a:bodyPr>
+                <a:lstStyle/>
+                <a:p>
+                  <a:pPr algn="ctr"/>
+                  <a:r>
+                    <a:rPr lang="en-US" sz="1200" dirty="0" smtClean="0"/>
+                    <a:t>D</a:t>
+                  </a:r>
+                  <a:endParaRPr lang="en-US" sz="1200" dirty="0"/>
+                </a:p>
+              </p:txBody>
+            </p:sp>
+          </p:grpSp>
+          <p:grpSp>
+            <p:nvGrpSpPr>
+              <p:cNvPr id="58" name="Group 57"/>
+              <p:cNvGrpSpPr/>
+              <p:nvPr/>
+            </p:nvGrpSpPr>
+            <p:grpSpPr>
+              <a:xfrm>
+                <a:off x="6174279" y="1811981"/>
+                <a:ext cx="589441" cy="561314"/>
+                <a:chOff x="2064189" y="1140737"/>
+                <a:chExt cx="589441" cy="561314"/>
+              </a:xfrm>
+            </p:grpSpPr>
+            <p:sp>
+              <p:nvSpPr>
+                <p:cNvPr id="129" name="Oval 128"/>
                 <p:cNvSpPr/>
                 <p:nvPr/>
               </p:nvSpPr>
               <p:spPr>
                 <a:xfrm>
-                  <a:off x="4422388" y="3788229"/>
-                  <a:ext cx="631372" cy="620486"/>
+                  <a:off x="2064189" y="1140737"/>
+                  <a:ext cx="589441" cy="561314"/>
                 </a:xfrm>
-                <a:prstGeom prst="rect">
+                <a:prstGeom prst="ellipse">
                   <a:avLst/>
                 </a:prstGeom>
                 <a:solidFill>
-                  <a:schemeClr val="bg2">
-                    <a:lumMod val="90000"/>
-                  </a:schemeClr>
+                  <a:schemeClr val="bg1"/>
                 </a:solidFill>
-                <a:ln>
+                <a:ln w="9525">
                   <a:solidFill>
                     <a:schemeClr val="tx1"/>
                   </a:solidFill>
@@ -3734,387 +3404,78 @@
                 <a:lstStyle/>
                 <a:p>
                   <a:pPr algn="ctr"/>
+                  <a:endParaRPr lang="en-US"/>
+                </a:p>
+              </p:txBody>
+            </p:sp>
+            <p:sp>
+              <p:nvSpPr>
+                <p:cNvPr id="130" name="TextBox 129"/>
+                <p:cNvSpPr txBox="1"/>
+                <p:nvPr/>
+              </p:nvSpPr>
+              <p:spPr>
+                <a:xfrm>
+                  <a:off x="2224898" y="1282894"/>
+                  <a:ext cx="268022" cy="276999"/>
+                </a:xfrm>
+                <a:prstGeom prst="rect">
+                  <a:avLst/>
+                </a:prstGeom>
+                <a:noFill/>
+              </p:spPr>
+              <p:txBody>
+                <a:bodyPr wrap="none" rtlCol="0">
+                  <a:spAutoFit/>
+                </a:bodyPr>
+                <a:lstStyle/>
+                <a:p>
+                  <a:pPr algn="ctr"/>
                   <a:r>
-                    <a:rPr lang="en-US" sz="2400" dirty="0" smtClean="0">
-                      <a:solidFill>
-                        <a:schemeClr val="tx1"/>
-                      </a:solidFill>
-                    </a:rPr>
-                    <a:t>D</a:t>
+                    <a:rPr lang="en-US" sz="1200" dirty="0" smtClean="0"/>
+                    <a:t>B</a:t>
                   </a:r>
-                  <a:endParaRPr lang="en-US" sz="2400" dirty="0">
-                    <a:solidFill>
-                      <a:schemeClr val="tx1"/>
-                    </a:solidFill>
-                  </a:endParaRPr>
+                  <a:endParaRPr lang="en-US" sz="1200" dirty="0"/>
                 </a:p>
               </p:txBody>
             </p:sp>
           </p:grpSp>
-          <p:cxnSp>
-            <p:nvCxnSpPr>
-              <p:cNvPr id="73" name="Straight Connector 72"/>
-              <p:cNvCxnSpPr>
-                <a:stCxn id="51" idx="2"/>
-                <a:endCxn id="2" idx="0"/>
-              </p:cNvCxnSpPr>
-              <p:nvPr/>
-            </p:nvCxnSpPr>
-            <p:spPr>
-              <a:xfrm>
-                <a:off x="3497103" y="4408715"/>
-                <a:ext cx="0" cy="544285"/>
-              </a:xfrm>
-              <a:prstGeom prst="line">
-                <a:avLst/>
-              </a:prstGeom>
-              <a:ln w="19050">
-                <a:solidFill>
-                  <a:schemeClr val="tx1"/>
-                </a:solidFill>
-              </a:ln>
-            </p:spPr>
-            <p:style>
-              <a:lnRef idx="1">
-                <a:schemeClr val="accent1"/>
-              </a:lnRef>
-              <a:fillRef idx="0">
-                <a:schemeClr val="accent1"/>
-              </a:fillRef>
-              <a:effectRef idx="0">
-                <a:schemeClr val="accent1"/>
-              </a:effectRef>
-              <a:fontRef idx="minor">
-                <a:schemeClr val="tx1"/>
-              </a:fontRef>
-            </p:style>
-          </p:cxnSp>
-          <p:cxnSp>
-            <p:nvCxnSpPr>
-              <p:cNvPr id="100" name="Straight Connector 99"/>
-              <p:cNvCxnSpPr>
-                <a:stCxn id="52" idx="2"/>
-                <a:endCxn id="50" idx="0"/>
-              </p:cNvCxnSpPr>
-              <p:nvPr/>
-            </p:nvCxnSpPr>
-            <p:spPr>
-              <a:xfrm>
-                <a:off x="4738074" y="4408715"/>
-                <a:ext cx="0" cy="544285"/>
-              </a:xfrm>
-              <a:prstGeom prst="line">
-                <a:avLst/>
-              </a:prstGeom>
-              <a:ln w="19050">
-                <a:solidFill>
-                  <a:schemeClr val="tx1"/>
-                </a:solidFill>
-              </a:ln>
-            </p:spPr>
-            <p:style>
-              <a:lnRef idx="1">
-                <a:schemeClr val="accent1"/>
-              </a:lnRef>
-              <a:fillRef idx="0">
-                <a:schemeClr val="accent1"/>
-              </a:fillRef>
-              <a:effectRef idx="0">
-                <a:schemeClr val="accent1"/>
-              </a:effectRef>
-              <a:fontRef idx="minor">
-                <a:schemeClr val="tx1"/>
-              </a:fontRef>
-            </p:style>
-          </p:cxnSp>
-          <p:cxnSp>
-            <p:nvCxnSpPr>
-              <p:cNvPr id="103" name="Straight Connector 102"/>
-              <p:cNvCxnSpPr/>
-              <p:nvPr/>
-            </p:nvCxnSpPr>
-            <p:spPr>
-              <a:xfrm flipH="1">
-                <a:off x="3812789" y="4419601"/>
-                <a:ext cx="615043" cy="533398"/>
-              </a:xfrm>
-              <a:prstGeom prst="line">
-                <a:avLst/>
-              </a:prstGeom>
-              <a:ln w="19050">
-                <a:solidFill>
-                  <a:schemeClr val="tx1"/>
-                </a:solidFill>
-              </a:ln>
-            </p:spPr>
-            <p:style>
-              <a:lnRef idx="1">
-                <a:schemeClr val="accent1"/>
-              </a:lnRef>
-              <a:fillRef idx="0">
-                <a:schemeClr val="accent1"/>
-              </a:fillRef>
-              <a:effectRef idx="0">
-                <a:schemeClr val="accent1"/>
-              </a:effectRef>
-              <a:fontRef idx="minor">
-                <a:schemeClr val="tx1"/>
-              </a:fontRef>
-            </p:style>
-          </p:cxnSp>
-          <p:cxnSp>
-            <p:nvCxnSpPr>
-              <p:cNvPr id="104" name="Straight Connector 103"/>
-              <p:cNvCxnSpPr/>
-              <p:nvPr/>
-            </p:nvCxnSpPr>
-            <p:spPr>
-              <a:xfrm>
-                <a:off x="3812789" y="4419601"/>
-                <a:ext cx="609599" cy="544285"/>
-              </a:xfrm>
-              <a:prstGeom prst="line">
-                <a:avLst/>
-              </a:prstGeom>
-              <a:ln w="19050">
-                <a:solidFill>
-                  <a:schemeClr val="tx1"/>
-                </a:solidFill>
-              </a:ln>
-            </p:spPr>
-            <p:style>
-              <a:lnRef idx="1">
-                <a:schemeClr val="accent1"/>
-              </a:lnRef>
-              <a:fillRef idx="0">
-                <a:schemeClr val="accent1"/>
-              </a:fillRef>
-              <a:effectRef idx="0">
-                <a:schemeClr val="accent1"/>
-              </a:effectRef>
-              <a:fontRef idx="minor">
-                <a:schemeClr val="tx1"/>
-              </a:fontRef>
-            </p:style>
-          </p:cxnSp>
-        </p:grpSp>
-        <p:sp>
-          <p:nvSpPr>
-            <p:cNvPr id="5" name="TextBox 4"/>
-            <p:cNvSpPr txBox="1"/>
-            <p:nvPr/>
-          </p:nvSpPr>
-          <p:spPr>
-            <a:xfrm>
-              <a:off x="3542633" y="3242589"/>
-              <a:ext cx="559932" cy="461665"/>
-            </a:xfrm>
-            <a:prstGeom prst="rect">
-              <a:avLst/>
-            </a:prstGeom>
-            <a:noFill/>
-          </p:spPr>
-          <p:txBody>
-            <a:bodyPr wrap="square" rtlCol="0">
-              <a:spAutoFit/>
-            </a:bodyPr>
-            <a:lstStyle/>
-            <a:p>
-              <a:pPr algn="ctr"/>
-              <a:r>
-                <a:rPr lang="en-US" sz="2400" dirty="0" smtClean="0"/>
-                <a:t>P</a:t>
-              </a:r>
-              <a:r>
-                <a:rPr lang="en-US" sz="2400" baseline="-25000" dirty="0" smtClean="0"/>
-                <a:t>g1</a:t>
-              </a:r>
-              <a:endParaRPr lang="en-US" sz="2400" baseline="-25000" dirty="0"/>
-            </a:p>
-          </p:txBody>
-        </p:sp>
-        <p:sp>
-          <p:nvSpPr>
-            <p:cNvPr id="36" name="TextBox 35"/>
-            <p:cNvSpPr txBox="1"/>
-            <p:nvPr/>
-          </p:nvSpPr>
-          <p:spPr>
-            <a:xfrm>
-              <a:off x="4290324" y="3268790"/>
-              <a:ext cx="570954" cy="461665"/>
-            </a:xfrm>
-            <a:prstGeom prst="rect">
-              <a:avLst/>
-            </a:prstGeom>
-            <a:noFill/>
-          </p:spPr>
-          <p:txBody>
-            <a:bodyPr wrap="square" rtlCol="0">
-              <a:spAutoFit/>
-            </a:bodyPr>
-            <a:lstStyle/>
-            <a:p>
-              <a:pPr algn="ctr"/>
-              <a:r>
-                <a:rPr lang="en-US" sz="2400" dirty="0" smtClean="0"/>
-                <a:t>P</a:t>
-              </a:r>
-              <a:r>
-                <a:rPr lang="en-US" sz="2400" baseline="-25000" dirty="0" smtClean="0"/>
-                <a:t>g2</a:t>
-              </a:r>
-              <a:endParaRPr lang="en-US" sz="2400" baseline="-25000" dirty="0"/>
-            </a:p>
-          </p:txBody>
-        </p:sp>
-        <p:sp>
-          <p:nvSpPr>
-            <p:cNvPr id="6" name="Rectangle 5"/>
-            <p:cNvSpPr/>
-            <p:nvPr/>
-          </p:nvSpPr>
-          <p:spPr>
-            <a:xfrm>
-              <a:off x="3494225" y="2201543"/>
-              <a:ext cx="1350705" cy="1528912"/>
-            </a:xfrm>
-            <a:prstGeom prst="rect">
-              <a:avLst/>
-            </a:prstGeom>
-            <a:noFill/>
-            <a:ln>
-              <a:solidFill>
-                <a:schemeClr val="tx1"/>
-              </a:solidFill>
-              <a:prstDash val="dashDot"/>
-            </a:ln>
-          </p:spPr>
-          <p:style>
-            <a:lnRef idx="2">
-              <a:schemeClr val="accent1">
-                <a:shade val="50000"/>
-              </a:schemeClr>
-            </a:lnRef>
-            <a:fillRef idx="1">
-              <a:schemeClr val="accent1"/>
-            </a:fillRef>
-            <a:effectRef idx="0">
-              <a:schemeClr val="accent1"/>
-            </a:effectRef>
-            <a:fontRef idx="minor">
-              <a:schemeClr val="lt1"/>
-            </a:fontRef>
-          </p:style>
-          <p:txBody>
-            <a:bodyPr rtlCol="0" anchor="ctr"/>
-            <a:lstStyle/>
-            <a:p>
-              <a:pPr algn="ctr"/>
-              <a:endParaRPr lang="en-US"/>
-            </a:p>
-          </p:txBody>
-        </p:sp>
-      </p:grpSp>
-      <p:cxnSp>
-        <p:nvCxnSpPr>
-          <p:cNvPr id="46" name="Straight Connector 45"/>
-          <p:cNvCxnSpPr/>
-          <p:nvPr/>
-        </p:nvCxnSpPr>
-        <p:spPr>
-          <a:xfrm>
-            <a:off x="2941662" y="2044814"/>
-            <a:ext cx="0" cy="324730"/>
-          </a:xfrm>
-          <a:prstGeom prst="line">
-            <a:avLst/>
-          </a:prstGeom>
-          <a:ln w="38100">
-            <a:solidFill>
-              <a:schemeClr val="tx1"/>
-            </a:solidFill>
-            <a:headEnd type="triangle" w="med" len="med"/>
-            <a:tailEnd type="triangle" w="med" len="med"/>
-          </a:ln>
-        </p:spPr>
-        <p:style>
-          <a:lnRef idx="1">
-            <a:schemeClr val="accent1"/>
-          </a:lnRef>
-          <a:fillRef idx="0">
-            <a:schemeClr val="accent1"/>
-          </a:fillRef>
-          <a:effectRef idx="0">
-            <a:schemeClr val="accent1"/>
-          </a:effectRef>
-          <a:fontRef idx="minor">
-            <a:schemeClr val="tx1"/>
-          </a:fontRef>
-        </p:style>
-      </p:cxnSp>
-      <p:grpSp>
-        <p:nvGrpSpPr>
-          <p:cNvPr id="14" name="Group 13"/>
-          <p:cNvGrpSpPr/>
-          <p:nvPr/>
-        </p:nvGrpSpPr>
-        <p:grpSpPr>
-          <a:xfrm>
-            <a:off x="2339928" y="3150839"/>
-            <a:ext cx="1360691" cy="1529366"/>
-            <a:chOff x="6730932" y="2201543"/>
-            <a:chExt cx="1360691" cy="1529366"/>
-          </a:xfrm>
-        </p:grpSpPr>
-        <p:grpSp>
-          <p:nvGrpSpPr>
-            <p:cNvPr id="105" name="Group 104"/>
-            <p:cNvGrpSpPr/>
-            <p:nvPr/>
-          </p:nvGrpSpPr>
-          <p:grpSpPr>
-            <a:xfrm>
-              <a:off x="6851258" y="2364829"/>
-              <a:ext cx="1144481" cy="938289"/>
-              <a:chOff x="3181417" y="3788229"/>
-              <a:chExt cx="1872343" cy="1785257"/>
-            </a:xfrm>
-          </p:grpSpPr>
           <p:grpSp>
             <p:nvGrpSpPr>
-              <p:cNvPr id="106" name="Group 105"/>
+              <p:cNvPr id="62" name="Group 61"/>
               <p:cNvGrpSpPr/>
               <p:nvPr/>
             </p:nvGrpSpPr>
             <p:grpSpPr>
               <a:xfrm>
-                <a:off x="3181417" y="3788229"/>
-                <a:ext cx="1872343" cy="1785257"/>
-                <a:chOff x="3181417" y="3788229"/>
-                <a:chExt cx="1872343" cy="1785257"/>
+                <a:off x="6180317" y="3771265"/>
+                <a:ext cx="589441" cy="561314"/>
+                <a:chOff x="2064189" y="1140737"/>
+                <a:chExt cx="589441" cy="561314"/>
               </a:xfrm>
+              <a:solidFill>
+                <a:schemeClr val="accent2">
+                  <a:lumMod val="20000"/>
+                  <a:lumOff val="80000"/>
+                </a:schemeClr>
+              </a:solidFill>
             </p:grpSpPr>
             <p:sp>
               <p:nvSpPr>
-                <p:cNvPr id="111" name="Rectangle 110"/>
+                <p:cNvPr id="123" name="Oval 122"/>
                 <p:cNvSpPr/>
                 <p:nvPr/>
               </p:nvSpPr>
               <p:spPr>
                 <a:xfrm>
-                  <a:off x="3181417" y="4953000"/>
-                  <a:ext cx="631372" cy="620486"/>
+                  <a:off x="2064189" y="1140737"/>
+                  <a:ext cx="589441" cy="561314"/>
                 </a:xfrm>
-                <a:prstGeom prst="rect">
+                <a:prstGeom prst="ellipse">
                   <a:avLst/>
                 </a:prstGeom>
-                <a:solidFill>
-                  <a:schemeClr val="bg2">
-                    <a:lumMod val="90000"/>
-                  </a:schemeClr>
-                </a:solidFill>
-                <a:ln>
+                <a:grpFill/>
+                <a:ln w="9525">
                   <a:solidFill>
                     <a:schemeClr val="tx1"/>
                   </a:solidFill>
@@ -4141,42 +3502,268 @@
                 <a:lstStyle/>
                 <a:p>
                   <a:pPr algn="ctr"/>
-                  <a:r>
-                    <a:rPr lang="en-US" sz="2400" dirty="0" smtClean="0">
-                      <a:solidFill>
-                        <a:schemeClr val="tx1"/>
-                      </a:solidFill>
-                    </a:rPr>
-                    <a:t>E</a:t>
-                  </a:r>
-                  <a:endParaRPr lang="en-US" sz="2400" dirty="0">
-                    <a:solidFill>
-                      <a:schemeClr val="tx1"/>
-                    </a:solidFill>
-                  </a:endParaRPr>
+                  <a:endParaRPr lang="en-US"/>
                 </a:p>
               </p:txBody>
             </p:sp>
             <p:sp>
               <p:nvSpPr>
-                <p:cNvPr id="112" name="Rectangle 111"/>
+                <p:cNvPr id="124" name="TextBox 123"/>
+                <p:cNvSpPr txBox="1"/>
+                <p:nvPr/>
+              </p:nvSpPr>
+              <p:spPr>
+                <a:xfrm>
+                  <a:off x="2226501" y="1282894"/>
+                  <a:ext cx="264816" cy="276999"/>
+                </a:xfrm>
+                <a:prstGeom prst="rect">
+                  <a:avLst/>
+                </a:prstGeom>
+                <a:grpFill/>
+              </p:spPr>
+              <p:txBody>
+                <a:bodyPr wrap="none" rtlCol="0">
+                  <a:spAutoFit/>
+                </a:bodyPr>
+                <a:lstStyle/>
+                <a:p>
+                  <a:pPr algn="ctr"/>
+                  <a:r>
+                    <a:rPr lang="en-US" sz="1200" dirty="0" smtClean="0"/>
+                    <a:t>X</a:t>
+                  </a:r>
+                  <a:endParaRPr lang="en-US" sz="1200" dirty="0"/>
+                </a:p>
+              </p:txBody>
+            </p:sp>
+          </p:grpSp>
+          <p:cxnSp>
+            <p:nvCxnSpPr>
+              <p:cNvPr id="69" name="Straight Arrow Connector 68"/>
+              <p:cNvCxnSpPr>
+                <a:endCxn id="143" idx="0"/>
+              </p:cNvCxnSpPr>
+              <p:nvPr/>
+            </p:nvCxnSpPr>
+            <p:spPr>
+              <a:xfrm>
+                <a:off x="7323625" y="1577993"/>
+                <a:ext cx="0" cy="230032"/>
+              </a:xfrm>
+              <a:prstGeom prst="straightConnector1">
+                <a:avLst/>
+              </a:prstGeom>
+              <a:ln>
+                <a:solidFill>
+                  <a:schemeClr val="tx1"/>
+                </a:solidFill>
+                <a:tailEnd type="stealth"/>
+              </a:ln>
+            </p:spPr>
+            <p:style>
+              <a:lnRef idx="1">
+                <a:schemeClr val="accent1"/>
+              </a:lnRef>
+              <a:fillRef idx="0">
+                <a:schemeClr val="accent1"/>
+              </a:fillRef>
+              <a:effectRef idx="0">
+                <a:schemeClr val="accent1"/>
+              </a:effectRef>
+              <a:fontRef idx="minor">
+                <a:schemeClr val="tx1"/>
+              </a:fontRef>
+            </p:style>
+          </p:cxnSp>
+          <p:cxnSp>
+            <p:nvCxnSpPr>
+              <p:cNvPr id="78" name="Straight Arrow Connector 77"/>
+              <p:cNvCxnSpPr>
+                <a:stCxn id="143" idx="4"/>
+                <a:endCxn id="131" idx="0"/>
+              </p:cNvCxnSpPr>
+              <p:nvPr/>
+            </p:nvCxnSpPr>
+            <p:spPr>
+              <a:xfrm>
+                <a:off x="7323625" y="2369339"/>
+                <a:ext cx="0" cy="337040"/>
+              </a:xfrm>
+              <a:prstGeom prst="straightConnector1">
+                <a:avLst/>
+              </a:prstGeom>
+              <a:ln w="50800">
+                <a:solidFill>
+                  <a:srgbClr val="7030A0"/>
+                </a:solidFill>
+                <a:tailEnd type="stealth"/>
+              </a:ln>
+            </p:spPr>
+            <p:style>
+              <a:lnRef idx="1">
+                <a:schemeClr val="accent1"/>
+              </a:lnRef>
+              <a:fillRef idx="0">
+                <a:schemeClr val="accent1"/>
+              </a:fillRef>
+              <a:effectRef idx="0">
+                <a:schemeClr val="accent1"/>
+              </a:effectRef>
+              <a:fontRef idx="minor">
+                <a:schemeClr val="tx1"/>
+              </a:fontRef>
+            </p:style>
+          </p:cxnSp>
+          <p:cxnSp>
+            <p:nvCxnSpPr>
+              <p:cNvPr id="79" name="Straight Arrow Connector 78"/>
+              <p:cNvCxnSpPr>
+                <a:stCxn id="131" idx="1"/>
+                <a:endCxn id="129" idx="5"/>
+              </p:cNvCxnSpPr>
+              <p:nvPr/>
+            </p:nvCxnSpPr>
+            <p:spPr>
+              <a:xfrm flipH="1" flipV="1">
+                <a:off x="6677398" y="2291092"/>
+                <a:ext cx="437828" cy="497490"/>
+              </a:xfrm>
+              <a:prstGeom prst="straightConnector1">
+                <a:avLst/>
+              </a:prstGeom>
+              <a:ln>
+                <a:solidFill>
+                  <a:schemeClr val="tx1"/>
+                </a:solidFill>
+                <a:tailEnd type="stealth"/>
+              </a:ln>
+            </p:spPr>
+            <p:style>
+              <a:lnRef idx="1">
+                <a:schemeClr val="accent1"/>
+              </a:lnRef>
+              <a:fillRef idx="0">
+                <a:schemeClr val="accent1"/>
+              </a:fillRef>
+              <a:effectRef idx="0">
+                <a:schemeClr val="accent1"/>
+              </a:effectRef>
+              <a:fontRef idx="minor">
+                <a:schemeClr val="tx1"/>
+              </a:fontRef>
+            </p:style>
+          </p:cxnSp>
+          <p:cxnSp>
+            <p:nvCxnSpPr>
+              <p:cNvPr id="93" name="Straight Arrow Connector 92"/>
+              <p:cNvCxnSpPr>
+                <a:stCxn id="143" idx="3"/>
+                <a:endCxn id="133" idx="7"/>
+              </p:cNvCxnSpPr>
+              <p:nvPr/>
+            </p:nvCxnSpPr>
+            <p:spPr>
+              <a:xfrm flipH="1">
+                <a:off x="6683436" y="2287136"/>
+                <a:ext cx="431790" cy="490957"/>
+              </a:xfrm>
+              <a:prstGeom prst="straightConnector1">
+                <a:avLst/>
+              </a:prstGeom>
+              <a:ln w="50800">
+                <a:solidFill>
+                  <a:srgbClr val="FF0000"/>
+                </a:solidFill>
+                <a:tailEnd type="stealth"/>
+              </a:ln>
+            </p:spPr>
+            <p:style>
+              <a:lnRef idx="1">
+                <a:schemeClr val="accent1"/>
+              </a:lnRef>
+              <a:fillRef idx="0">
+                <a:schemeClr val="accent1"/>
+              </a:fillRef>
+              <a:effectRef idx="0">
+                <a:schemeClr val="accent1"/>
+              </a:effectRef>
+              <a:fontRef idx="minor">
+                <a:schemeClr val="tx1"/>
+              </a:fontRef>
+            </p:style>
+          </p:cxnSp>
+          <p:cxnSp>
+            <p:nvCxnSpPr>
+              <p:cNvPr id="149" name="Straight Arrow Connector 148"/>
+              <p:cNvCxnSpPr>
+                <a:stCxn id="133" idx="0"/>
+                <a:endCxn id="129" idx="4"/>
+              </p:cNvCxnSpPr>
+              <p:nvPr/>
+            </p:nvCxnSpPr>
+            <p:spPr>
+              <a:xfrm flipH="1" flipV="1">
+                <a:off x="6469000" y="2373295"/>
+                <a:ext cx="6038" cy="322595"/>
+              </a:xfrm>
+              <a:prstGeom prst="straightConnector1">
+                <a:avLst/>
+              </a:prstGeom>
+              <a:ln>
+                <a:solidFill>
+                  <a:schemeClr val="tx1"/>
+                </a:solidFill>
+                <a:tailEnd type="stealth"/>
+              </a:ln>
+            </p:spPr>
+            <p:style>
+              <a:lnRef idx="1">
+                <a:schemeClr val="accent1"/>
+              </a:lnRef>
+              <a:fillRef idx="0">
+                <a:schemeClr val="accent1"/>
+              </a:fillRef>
+              <a:effectRef idx="0">
+                <a:schemeClr val="accent1"/>
+              </a:effectRef>
+              <a:fontRef idx="minor">
+                <a:schemeClr val="tx1"/>
+              </a:fontRef>
+            </p:style>
+          </p:cxnSp>
+          <p:grpSp>
+            <p:nvGrpSpPr>
+              <p:cNvPr id="150" name="Group 149"/>
+              <p:cNvGrpSpPr/>
+              <p:nvPr/>
+            </p:nvGrpSpPr>
+            <p:grpSpPr>
+              <a:xfrm>
+                <a:off x="7023825" y="3786860"/>
+                <a:ext cx="589441" cy="561314"/>
+                <a:chOff x="2064189" y="1140737"/>
+                <a:chExt cx="589441" cy="561314"/>
+              </a:xfrm>
+            </p:grpSpPr>
+            <p:sp>
+              <p:nvSpPr>
+                <p:cNvPr id="151" name="Oval 150"/>
                 <p:cNvSpPr/>
                 <p:nvPr/>
               </p:nvSpPr>
               <p:spPr>
                 <a:xfrm>
-                  <a:off x="4422388" y="4953000"/>
-                  <a:ext cx="631372" cy="620486"/>
+                  <a:off x="2064189" y="1140737"/>
+                  <a:ext cx="589441" cy="561314"/>
                 </a:xfrm>
-                <a:prstGeom prst="rect">
+                <a:prstGeom prst="ellipse">
                   <a:avLst/>
                 </a:prstGeom>
                 <a:solidFill>
-                  <a:schemeClr val="bg2">
-                    <a:lumMod val="90000"/>
-                  </a:schemeClr>
+                  <a:schemeClr val="bg1"/>
                 </a:solidFill>
-                <a:ln>
+                <a:ln w="9525">
                   <a:solidFill>
                     <a:schemeClr val="tx1"/>
                   </a:solidFill>
@@ -4203,42 +3790,113 @@
                 <a:lstStyle/>
                 <a:p>
                   <a:pPr algn="ctr"/>
-                  <a:r>
-                    <a:rPr lang="en-US" sz="2400" dirty="0" smtClean="0">
-                      <a:solidFill>
-                        <a:schemeClr val="tx1"/>
-                      </a:solidFill>
-                    </a:rPr>
-                    <a:t>F</a:t>
-                  </a:r>
-                  <a:endParaRPr lang="en-US" sz="2400" dirty="0">
-                    <a:solidFill>
-                      <a:schemeClr val="tx1"/>
-                    </a:solidFill>
-                  </a:endParaRPr>
+                  <a:endParaRPr lang="en-US"/>
                 </a:p>
               </p:txBody>
             </p:sp>
             <p:sp>
               <p:nvSpPr>
-                <p:cNvPr id="113" name="Rectangle 112"/>
+                <p:cNvPr id="152" name="TextBox 151"/>
+                <p:cNvSpPr txBox="1"/>
+                <p:nvPr/>
+              </p:nvSpPr>
+              <p:spPr>
+                <a:xfrm>
+                  <a:off x="2226501" y="1282894"/>
+                  <a:ext cx="264816" cy="276999"/>
+                </a:xfrm>
+                <a:prstGeom prst="rect">
+                  <a:avLst/>
+                </a:prstGeom>
+                <a:noFill/>
+              </p:spPr>
+              <p:txBody>
+                <a:bodyPr wrap="none" rtlCol="0">
+                  <a:spAutoFit/>
+                </a:bodyPr>
+                <a:lstStyle/>
+                <a:p>
+                  <a:pPr algn="ctr"/>
+                  <a:r>
+                    <a:rPr lang="en-US" sz="1200" dirty="0" smtClean="0"/>
+                    <a:t>Y</a:t>
+                  </a:r>
+                  <a:endParaRPr lang="en-US" sz="1200" dirty="0"/>
+                </a:p>
+              </p:txBody>
+            </p:sp>
+          </p:grpSp>
+          <p:cxnSp>
+            <p:nvCxnSpPr>
+              <p:cNvPr id="153" name="Straight Arrow Connector 152"/>
+              <p:cNvCxnSpPr>
+                <a:stCxn id="131" idx="4"/>
+                <a:endCxn id="151" idx="0"/>
+              </p:cNvCxnSpPr>
+              <p:nvPr/>
+            </p:nvCxnSpPr>
+            <p:spPr>
+              <a:xfrm flipH="1">
+                <a:off x="7318546" y="3267693"/>
+                <a:ext cx="5079" cy="519167"/>
+              </a:xfrm>
+              <a:prstGeom prst="straightConnector1">
+                <a:avLst/>
+              </a:prstGeom>
+              <a:ln>
+                <a:solidFill>
+                  <a:schemeClr val="tx1"/>
+                </a:solidFill>
+                <a:tailEnd type="stealth"/>
+              </a:ln>
+            </p:spPr>
+            <p:style>
+              <a:lnRef idx="1">
+                <a:schemeClr val="accent1"/>
+              </a:lnRef>
+              <a:fillRef idx="0">
+                <a:schemeClr val="accent1"/>
+              </a:fillRef>
+              <a:effectRef idx="0">
+                <a:schemeClr val="accent1"/>
+              </a:effectRef>
+              <a:fontRef idx="minor">
+                <a:schemeClr val="tx1"/>
+              </a:fontRef>
+            </p:style>
+          </p:cxnSp>
+          <p:grpSp>
+            <p:nvGrpSpPr>
+              <p:cNvPr id="156" name="Group 155"/>
+              <p:cNvGrpSpPr/>
+              <p:nvPr/>
+            </p:nvGrpSpPr>
+            <p:grpSpPr>
+              <a:xfrm>
+                <a:off x="4688404" y="2694539"/>
+                <a:ext cx="589441" cy="561314"/>
+                <a:chOff x="2064189" y="1140737"/>
+                <a:chExt cx="589441" cy="561314"/>
+              </a:xfrm>
+            </p:grpSpPr>
+            <p:sp>
+              <p:nvSpPr>
+                <p:cNvPr id="157" name="Oval 156"/>
                 <p:cNvSpPr/>
                 <p:nvPr/>
               </p:nvSpPr>
               <p:spPr>
                 <a:xfrm>
-                  <a:off x="3181417" y="3788229"/>
-                  <a:ext cx="631372" cy="620486"/>
+                  <a:off x="2064189" y="1140737"/>
+                  <a:ext cx="589441" cy="561314"/>
                 </a:xfrm>
-                <a:prstGeom prst="rect">
+                <a:prstGeom prst="ellipse">
                   <a:avLst/>
                 </a:prstGeom>
                 <a:solidFill>
-                  <a:schemeClr val="bg2">
-                    <a:lumMod val="90000"/>
-                  </a:schemeClr>
+                  <a:schemeClr val="bg1"/>
                 </a:solidFill>
-                <a:ln>
+                <a:ln w="9525">
                   <a:solidFill>
                     <a:schemeClr val="tx1"/>
                   </a:solidFill>
@@ -4265,42 +3923,74 @@
                 <a:lstStyle/>
                 <a:p>
                   <a:pPr algn="ctr"/>
-                  <a:r>
-                    <a:rPr lang="en-US" sz="2400" dirty="0" smtClean="0">
-                      <a:solidFill>
-                        <a:schemeClr val="tx1"/>
-                      </a:solidFill>
-                    </a:rPr>
-                    <a:t>G</a:t>
-                  </a:r>
-                  <a:endParaRPr lang="en-US" sz="2400" dirty="0">
-                    <a:solidFill>
-                      <a:schemeClr val="tx1"/>
-                    </a:solidFill>
-                  </a:endParaRPr>
+                  <a:endParaRPr lang="en-US"/>
                 </a:p>
               </p:txBody>
             </p:sp>
             <p:sp>
               <p:nvSpPr>
-                <p:cNvPr id="114" name="Rectangle 113"/>
+                <p:cNvPr id="158" name="TextBox 157"/>
+                <p:cNvSpPr txBox="1"/>
+                <p:nvPr/>
+              </p:nvSpPr>
+              <p:spPr>
+                <a:xfrm>
+                  <a:off x="2217684" y="1282894"/>
+                  <a:ext cx="282450" cy="276999"/>
+                </a:xfrm>
+                <a:prstGeom prst="rect">
+                  <a:avLst/>
+                </a:prstGeom>
+                <a:noFill/>
+              </p:spPr>
+              <p:txBody>
+                <a:bodyPr wrap="none" rtlCol="0">
+                  <a:spAutoFit/>
+                </a:bodyPr>
+                <a:lstStyle/>
+                <a:p>
+                  <a:pPr algn="ctr"/>
+                  <a:r>
+                    <a:rPr lang="en-US" sz="1200" dirty="0" smtClean="0"/>
+                    <a:t>G</a:t>
+                  </a:r>
+                  <a:endParaRPr lang="en-US" sz="1200" dirty="0"/>
+                </a:p>
+              </p:txBody>
+            </p:sp>
+          </p:grpSp>
+          <p:grpSp>
+            <p:nvGrpSpPr>
+              <p:cNvPr id="159" name="Group 158"/>
+              <p:cNvGrpSpPr/>
+              <p:nvPr/>
+            </p:nvGrpSpPr>
+            <p:grpSpPr>
+              <a:xfrm>
+                <a:off x="5439113" y="2694540"/>
+                <a:ext cx="589441" cy="561314"/>
+                <a:chOff x="2064189" y="1140737"/>
+                <a:chExt cx="589441" cy="561314"/>
+              </a:xfrm>
+            </p:grpSpPr>
+            <p:sp>
+              <p:nvSpPr>
+                <p:cNvPr id="160" name="Oval 159"/>
                 <p:cNvSpPr/>
                 <p:nvPr/>
               </p:nvSpPr>
               <p:spPr>
                 <a:xfrm>
-                  <a:off x="4422388" y="3788229"/>
-                  <a:ext cx="631372" cy="620486"/>
+                  <a:off x="2064189" y="1140737"/>
+                  <a:ext cx="589441" cy="561314"/>
                 </a:xfrm>
-                <a:prstGeom prst="rect">
+                <a:prstGeom prst="ellipse">
                   <a:avLst/>
                 </a:prstGeom>
                 <a:solidFill>
-                  <a:schemeClr val="bg2">
-                    <a:lumMod val="90000"/>
-                  </a:schemeClr>
+                  <a:schemeClr val="bg1"/>
                 </a:solidFill>
-                <a:ln>
+                <a:ln w="9525">
                   <a:solidFill>
                     <a:schemeClr val="tx1"/>
                   </a:solidFill>
@@ -4327,44 +4017,252 @@
                 <a:lstStyle/>
                 <a:p>
                   <a:pPr algn="ctr"/>
+                  <a:endParaRPr lang="en-US"/>
+                </a:p>
+              </p:txBody>
+            </p:sp>
+            <p:sp>
+              <p:nvSpPr>
+                <p:cNvPr id="161" name="TextBox 160"/>
+                <p:cNvSpPr txBox="1"/>
+                <p:nvPr/>
+              </p:nvSpPr>
+              <p:spPr>
+                <a:xfrm>
+                  <a:off x="2217684" y="1282894"/>
+                  <a:ext cx="282450" cy="276999"/>
+                </a:xfrm>
+                <a:prstGeom prst="rect">
+                  <a:avLst/>
+                </a:prstGeom>
+                <a:noFill/>
+              </p:spPr>
+              <p:txBody>
+                <a:bodyPr wrap="none" rtlCol="0">
+                  <a:spAutoFit/>
+                </a:bodyPr>
+                <a:lstStyle/>
+                <a:p>
+                  <a:pPr algn="ctr"/>
                   <a:r>
-                    <a:rPr lang="en-US" sz="2400" dirty="0" smtClean="0">
-                      <a:solidFill>
-                        <a:schemeClr val="tx1"/>
-                      </a:solidFill>
-                    </a:rPr>
+                    <a:rPr lang="en-US" sz="1200" dirty="0" smtClean="0"/>
                     <a:t>H</a:t>
                   </a:r>
-                  <a:endParaRPr lang="en-US" sz="2400" dirty="0">
-                    <a:solidFill>
-                      <a:schemeClr val="tx1"/>
-                    </a:solidFill>
-                  </a:endParaRPr>
+                  <a:endParaRPr lang="en-US" sz="1200" dirty="0"/>
+                </a:p>
+              </p:txBody>
+            </p:sp>
+          </p:grpSp>
+          <p:grpSp>
+            <p:nvGrpSpPr>
+              <p:cNvPr id="162" name="Group 161"/>
+              <p:cNvGrpSpPr/>
+              <p:nvPr/>
+            </p:nvGrpSpPr>
+            <p:grpSpPr>
+              <a:xfrm>
+                <a:off x="4687799" y="1809702"/>
+                <a:ext cx="589441" cy="561314"/>
+                <a:chOff x="2064189" y="1140737"/>
+                <a:chExt cx="589441" cy="561314"/>
+              </a:xfrm>
+            </p:grpSpPr>
+            <p:sp>
+              <p:nvSpPr>
+                <p:cNvPr id="163" name="Oval 162"/>
+                <p:cNvSpPr/>
+                <p:nvPr/>
+              </p:nvSpPr>
+              <p:spPr>
+                <a:xfrm>
+                  <a:off x="2064189" y="1140737"/>
+                  <a:ext cx="589441" cy="561314"/>
+                </a:xfrm>
+                <a:prstGeom prst="ellipse">
+                  <a:avLst/>
+                </a:prstGeom>
+                <a:solidFill>
+                  <a:schemeClr val="bg1"/>
+                </a:solidFill>
+                <a:ln w="9525">
+                  <a:solidFill>
+                    <a:schemeClr val="tx1"/>
+                  </a:solidFill>
+                </a:ln>
+              </p:spPr>
+              <p:style>
+                <a:lnRef idx="2">
+                  <a:schemeClr val="accent1">
+                    <a:shade val="50000"/>
+                  </a:schemeClr>
+                </a:lnRef>
+                <a:fillRef idx="1">
+                  <a:schemeClr val="accent1"/>
+                </a:fillRef>
+                <a:effectRef idx="0">
+                  <a:schemeClr val="accent1"/>
+                </a:effectRef>
+                <a:fontRef idx="minor">
+                  <a:schemeClr val="lt1"/>
+                </a:fontRef>
+              </p:style>
+              <p:txBody>
+                <a:bodyPr rtlCol="0" anchor="ctr"/>
+                <a:lstStyle/>
+                <a:p>
+                  <a:pPr algn="ctr"/>
+                  <a:endParaRPr lang="en-US"/>
+                </a:p>
+              </p:txBody>
+            </p:sp>
+            <p:sp>
+              <p:nvSpPr>
+                <p:cNvPr id="164" name="TextBox 163"/>
+                <p:cNvSpPr txBox="1"/>
+                <p:nvPr/>
+              </p:nvSpPr>
+              <p:spPr>
+                <a:xfrm>
+                  <a:off x="2228905" y="1282894"/>
+                  <a:ext cx="260007" cy="276999"/>
+                </a:xfrm>
+                <a:prstGeom prst="rect">
+                  <a:avLst/>
+                </a:prstGeom>
+                <a:noFill/>
+              </p:spPr>
+              <p:txBody>
+                <a:bodyPr wrap="none" rtlCol="0">
+                  <a:spAutoFit/>
+                </a:bodyPr>
+                <a:lstStyle/>
+                <a:p>
+                  <a:pPr algn="ctr"/>
+                  <a:r>
+                    <a:rPr lang="en-US" sz="1200" dirty="0" smtClean="0"/>
+                    <a:t>E</a:t>
+                  </a:r>
+                  <a:endParaRPr lang="en-US" sz="1200" dirty="0"/>
+                </a:p>
+              </p:txBody>
+            </p:sp>
+          </p:grpSp>
+          <p:grpSp>
+            <p:nvGrpSpPr>
+              <p:cNvPr id="165" name="Group 164"/>
+              <p:cNvGrpSpPr/>
+              <p:nvPr/>
+            </p:nvGrpSpPr>
+            <p:grpSpPr>
+              <a:xfrm>
+                <a:off x="5438508" y="1809703"/>
+                <a:ext cx="589441" cy="561314"/>
+                <a:chOff x="2064189" y="1140737"/>
+                <a:chExt cx="589441" cy="561314"/>
+              </a:xfrm>
+            </p:grpSpPr>
+            <p:sp>
+              <p:nvSpPr>
+                <p:cNvPr id="166" name="Oval 165"/>
+                <p:cNvSpPr/>
+                <p:nvPr/>
+              </p:nvSpPr>
+              <p:spPr>
+                <a:xfrm>
+                  <a:off x="2064189" y="1140737"/>
+                  <a:ext cx="589441" cy="561314"/>
+                </a:xfrm>
+                <a:prstGeom prst="ellipse">
+                  <a:avLst/>
+                </a:prstGeom>
+                <a:solidFill>
+                  <a:schemeClr val="bg1"/>
+                </a:solidFill>
+                <a:ln w="9525">
+                  <a:solidFill>
+                    <a:schemeClr val="tx1"/>
+                  </a:solidFill>
+                </a:ln>
+              </p:spPr>
+              <p:style>
+                <a:lnRef idx="2">
+                  <a:schemeClr val="accent1">
+                    <a:shade val="50000"/>
+                  </a:schemeClr>
+                </a:lnRef>
+                <a:fillRef idx="1">
+                  <a:schemeClr val="accent1"/>
+                </a:fillRef>
+                <a:effectRef idx="0">
+                  <a:schemeClr val="accent1"/>
+                </a:effectRef>
+                <a:fontRef idx="minor">
+                  <a:schemeClr val="lt1"/>
+                </a:fontRef>
+              </p:style>
+              <p:txBody>
+                <a:bodyPr rtlCol="0" anchor="ctr"/>
+                <a:lstStyle/>
+                <a:p>
+                  <a:pPr algn="ctr"/>
+                  <a:endParaRPr lang="en-US"/>
+                </a:p>
+              </p:txBody>
+            </p:sp>
+            <p:sp>
+              <p:nvSpPr>
+                <p:cNvPr id="167" name="TextBox 166"/>
+                <p:cNvSpPr txBox="1"/>
+                <p:nvPr/>
+              </p:nvSpPr>
+              <p:spPr>
+                <a:xfrm>
+                  <a:off x="2231310" y="1282894"/>
+                  <a:ext cx="255198" cy="276999"/>
+                </a:xfrm>
+                <a:prstGeom prst="rect">
+                  <a:avLst/>
+                </a:prstGeom>
+                <a:noFill/>
+              </p:spPr>
+              <p:txBody>
+                <a:bodyPr wrap="none" rtlCol="0">
+                  <a:spAutoFit/>
+                </a:bodyPr>
+                <a:lstStyle/>
+                <a:p>
+                  <a:pPr algn="ctr"/>
+                  <a:r>
+                    <a:rPr lang="en-US" sz="1200" dirty="0" smtClean="0"/>
+                    <a:t>F</a:t>
+                  </a:r>
+                  <a:endParaRPr lang="en-US" sz="1200" dirty="0"/>
                 </a:p>
               </p:txBody>
             </p:sp>
           </p:grpSp>
           <p:cxnSp>
             <p:nvCxnSpPr>
-              <p:cNvPr id="107" name="Straight Connector 106"/>
+              <p:cNvPr id="168" name="Straight Arrow Connector 167"/>
               <p:cNvCxnSpPr>
-                <a:stCxn id="113" idx="2"/>
-                <a:endCxn id="111" idx="0"/>
+                <a:stCxn id="157" idx="0"/>
+                <a:endCxn id="163" idx="4"/>
               </p:cNvCxnSpPr>
               <p:nvPr/>
             </p:nvCxnSpPr>
             <p:spPr>
-              <a:xfrm>
-                <a:off x="3497103" y="4408715"/>
-                <a:ext cx="0" cy="544285"/>
+              <a:xfrm flipH="1" flipV="1">
+                <a:off x="4982520" y="2371016"/>
+                <a:ext cx="605" cy="323523"/>
               </a:xfrm>
-              <a:prstGeom prst="line">
+              <a:prstGeom prst="straightConnector1">
                 <a:avLst/>
               </a:prstGeom>
-              <a:ln w="19050">
+              <a:ln>
                 <a:solidFill>
                   <a:schemeClr val="tx1"/>
                 </a:solidFill>
+                <a:tailEnd type="stealth"/>
               </a:ln>
             </p:spPr>
             <p:style>
@@ -4384,25 +4282,26 @@
           </p:cxnSp>
           <p:cxnSp>
             <p:nvCxnSpPr>
-              <p:cNvPr id="108" name="Straight Connector 107"/>
+              <p:cNvPr id="169" name="Straight Arrow Connector 168"/>
               <p:cNvCxnSpPr>
-                <a:stCxn id="114" idx="2"/>
-                <a:endCxn id="112" idx="0"/>
+                <a:stCxn id="157" idx="7"/>
+                <a:endCxn id="166" idx="3"/>
               </p:cNvCxnSpPr>
               <p:nvPr/>
             </p:nvCxnSpPr>
             <p:spPr>
-              <a:xfrm>
-                <a:off x="4738074" y="4408715"/>
-                <a:ext cx="0" cy="544285"/>
+              <a:xfrm flipV="1">
+                <a:off x="5191523" y="2288814"/>
+                <a:ext cx="333307" cy="487928"/>
               </a:xfrm>
-              <a:prstGeom prst="line">
+              <a:prstGeom prst="straightConnector1">
                 <a:avLst/>
               </a:prstGeom>
-              <a:ln w="19050">
+              <a:ln>
                 <a:solidFill>
                   <a:schemeClr val="tx1"/>
                 </a:solidFill>
+                <a:tailEnd type="stealth"/>
               </a:ln>
             </p:spPr>
             <p:style>
@@ -4422,22 +4321,26 @@
           </p:cxnSp>
           <p:cxnSp>
             <p:nvCxnSpPr>
-              <p:cNvPr id="109" name="Straight Connector 108"/>
-              <p:cNvCxnSpPr/>
+              <p:cNvPr id="170" name="Straight Arrow Connector 169"/>
+              <p:cNvCxnSpPr>
+                <a:stCxn id="160" idx="0"/>
+                <a:endCxn id="166" idx="4"/>
+              </p:cNvCxnSpPr>
               <p:nvPr/>
             </p:nvCxnSpPr>
             <p:spPr>
-              <a:xfrm flipH="1">
-                <a:off x="3812789" y="4419601"/>
-                <a:ext cx="615043" cy="533398"/>
+              <a:xfrm flipH="1" flipV="1">
+                <a:off x="5733229" y="2371017"/>
+                <a:ext cx="605" cy="323523"/>
               </a:xfrm>
-              <a:prstGeom prst="line">
+              <a:prstGeom prst="straightConnector1">
                 <a:avLst/>
               </a:prstGeom>
-              <a:ln w="19050">
+              <a:ln>
                 <a:solidFill>
                   <a:schemeClr val="tx1"/>
                 </a:solidFill>
+                <a:tailEnd type="stealth"/>
               </a:ln>
             </p:spPr>
             <p:style>
@@ -4457,22 +4360,328 @@
           </p:cxnSp>
           <p:cxnSp>
             <p:nvCxnSpPr>
-              <p:cNvPr id="110" name="Straight Connector 109"/>
+              <p:cNvPr id="171" name="Straight Arrow Connector 170"/>
+              <p:cNvCxnSpPr>
+                <a:stCxn id="160" idx="1"/>
+                <a:endCxn id="163" idx="5"/>
+              </p:cNvCxnSpPr>
+              <p:nvPr/>
+            </p:nvCxnSpPr>
+            <p:spPr>
+              <a:xfrm flipH="1" flipV="1">
+                <a:off x="5190918" y="2288813"/>
+                <a:ext cx="334517" cy="487930"/>
+              </a:xfrm>
+              <a:prstGeom prst="straightConnector1">
+                <a:avLst/>
+              </a:prstGeom>
+              <a:ln>
+                <a:solidFill>
+                  <a:schemeClr val="tx1"/>
+                </a:solidFill>
+                <a:tailEnd type="stealth"/>
+              </a:ln>
+            </p:spPr>
+            <p:style>
+              <a:lnRef idx="1">
+                <a:schemeClr val="accent1"/>
+              </a:lnRef>
+              <a:fillRef idx="0">
+                <a:schemeClr val="accent1"/>
+              </a:fillRef>
+              <a:effectRef idx="0">
+                <a:schemeClr val="accent1"/>
+              </a:effectRef>
+              <a:fontRef idx="minor">
+                <a:schemeClr val="tx1"/>
+              </a:fontRef>
+            </p:style>
+          </p:cxnSp>
+          <p:cxnSp>
+            <p:nvCxnSpPr>
+              <p:cNvPr id="172" name="Straight Arrow Connector 171"/>
+              <p:cNvCxnSpPr>
+                <a:stCxn id="123" idx="2"/>
+                <a:endCxn id="157" idx="4"/>
+              </p:cNvCxnSpPr>
+              <p:nvPr/>
+            </p:nvCxnSpPr>
+            <p:spPr>
+              <a:xfrm flipH="1" flipV="1">
+                <a:off x="4983125" y="3255853"/>
+                <a:ext cx="1197192" cy="796069"/>
+              </a:xfrm>
+              <a:prstGeom prst="straightConnector1">
+                <a:avLst/>
+              </a:prstGeom>
+              <a:ln>
+                <a:solidFill>
+                  <a:schemeClr val="tx1"/>
+                </a:solidFill>
+                <a:tailEnd type="stealth"/>
+              </a:ln>
+            </p:spPr>
+            <p:style>
+              <a:lnRef idx="1">
+                <a:schemeClr val="accent1"/>
+              </a:lnRef>
+              <a:fillRef idx="0">
+                <a:schemeClr val="accent1"/>
+              </a:fillRef>
+              <a:effectRef idx="0">
+                <a:schemeClr val="accent1"/>
+              </a:effectRef>
+              <a:fontRef idx="minor">
+                <a:schemeClr val="tx1"/>
+              </a:fontRef>
+            </p:style>
+          </p:cxnSp>
+          <p:cxnSp>
+            <p:nvCxnSpPr>
+              <p:cNvPr id="174" name="Straight Arrow Connector 173"/>
+              <p:cNvCxnSpPr>
+                <a:stCxn id="123" idx="1"/>
+                <a:endCxn id="160" idx="4"/>
+              </p:cNvCxnSpPr>
+              <p:nvPr/>
+            </p:nvCxnSpPr>
+            <p:spPr>
+              <a:xfrm flipH="1" flipV="1">
+                <a:off x="5733834" y="3255854"/>
+                <a:ext cx="532805" cy="597614"/>
+              </a:xfrm>
+              <a:prstGeom prst="straightConnector1">
+                <a:avLst/>
+              </a:prstGeom>
+              <a:ln>
+                <a:solidFill>
+                  <a:schemeClr val="tx1"/>
+                </a:solidFill>
+                <a:tailEnd type="stealth"/>
+              </a:ln>
+            </p:spPr>
+            <p:style>
+              <a:lnRef idx="1">
+                <a:schemeClr val="accent1"/>
+              </a:lnRef>
+              <a:fillRef idx="0">
+                <a:schemeClr val="accent1"/>
+              </a:fillRef>
+              <a:effectRef idx="0">
+                <a:schemeClr val="accent1"/>
+              </a:effectRef>
+              <a:fontRef idx="minor">
+                <a:schemeClr val="tx1"/>
+              </a:fontRef>
+            </p:style>
+          </p:cxnSp>
+          <p:cxnSp>
+            <p:nvCxnSpPr>
+              <p:cNvPr id="177" name="Straight Arrow Connector 176"/>
+              <p:cNvCxnSpPr>
+                <a:stCxn id="151" idx="1"/>
+                <a:endCxn id="160" idx="5"/>
+              </p:cNvCxnSpPr>
+              <p:nvPr/>
+            </p:nvCxnSpPr>
+            <p:spPr>
+              <a:xfrm flipH="1" flipV="1">
+                <a:off x="5942232" y="3173651"/>
+                <a:ext cx="1167915" cy="695412"/>
+              </a:xfrm>
+              <a:prstGeom prst="straightConnector1">
+                <a:avLst/>
+              </a:prstGeom>
+              <a:ln>
+                <a:solidFill>
+                  <a:schemeClr val="tx1"/>
+                </a:solidFill>
+                <a:tailEnd type="stealth"/>
+              </a:ln>
+            </p:spPr>
+            <p:style>
+              <a:lnRef idx="1">
+                <a:schemeClr val="accent1"/>
+              </a:lnRef>
+              <a:fillRef idx="0">
+                <a:schemeClr val="accent1"/>
+              </a:fillRef>
+              <a:effectRef idx="0">
+                <a:schemeClr val="accent1"/>
+              </a:effectRef>
+              <a:fontRef idx="minor">
+                <a:schemeClr val="tx1"/>
+              </a:fontRef>
+            </p:style>
+          </p:cxnSp>
+          <p:cxnSp>
+            <p:nvCxnSpPr>
+              <p:cNvPr id="180" name="Straight Arrow Connector 179"/>
+              <p:cNvCxnSpPr>
+                <a:stCxn id="151" idx="1"/>
+                <a:endCxn id="157" idx="5"/>
+              </p:cNvCxnSpPr>
+              <p:nvPr/>
+            </p:nvCxnSpPr>
+            <p:spPr>
+              <a:xfrm flipH="1" flipV="1">
+                <a:off x="5191523" y="3173650"/>
+                <a:ext cx="1918624" cy="695413"/>
+              </a:xfrm>
+              <a:prstGeom prst="straightConnector1">
+                <a:avLst/>
+              </a:prstGeom>
+              <a:ln>
+                <a:solidFill>
+                  <a:schemeClr val="tx1"/>
+                </a:solidFill>
+                <a:tailEnd type="stealth"/>
+              </a:ln>
+            </p:spPr>
+            <p:style>
+              <a:lnRef idx="1">
+                <a:schemeClr val="accent1"/>
+              </a:lnRef>
+              <a:fillRef idx="0">
+                <a:schemeClr val="accent1"/>
+              </a:fillRef>
+              <a:effectRef idx="0">
+                <a:schemeClr val="accent1"/>
+              </a:effectRef>
+              <a:fontRef idx="minor">
+                <a:schemeClr val="tx1"/>
+              </a:fontRef>
+            </p:style>
+          </p:cxnSp>
+          <p:cxnSp>
+            <p:nvCxnSpPr>
+              <p:cNvPr id="185" name="Straight Arrow Connector 184"/>
+              <p:cNvCxnSpPr>
+                <a:stCxn id="123" idx="4"/>
+              </p:cNvCxnSpPr>
+              <p:nvPr/>
+            </p:nvCxnSpPr>
+            <p:spPr>
+              <a:xfrm flipH="1">
+                <a:off x="6472019" y="4332579"/>
+                <a:ext cx="3019" cy="282528"/>
+              </a:xfrm>
+              <a:prstGeom prst="straightConnector1">
+                <a:avLst/>
+              </a:prstGeom>
+              <a:ln>
+                <a:solidFill>
+                  <a:schemeClr val="tx1"/>
+                </a:solidFill>
+                <a:tailEnd type="stealth"/>
+              </a:ln>
+            </p:spPr>
+            <p:style>
+              <a:lnRef idx="1">
+                <a:schemeClr val="accent1"/>
+              </a:lnRef>
+              <a:fillRef idx="0">
+                <a:schemeClr val="accent1"/>
+              </a:fillRef>
+              <a:effectRef idx="0">
+                <a:schemeClr val="accent1"/>
+              </a:effectRef>
+              <a:fontRef idx="minor">
+                <a:schemeClr val="tx1"/>
+              </a:fontRef>
+            </p:style>
+          </p:cxnSp>
+          <p:cxnSp>
+            <p:nvCxnSpPr>
+              <p:cNvPr id="188" name="Straight Arrow Connector 187"/>
+              <p:cNvCxnSpPr/>
+              <p:nvPr/>
+            </p:nvCxnSpPr>
+            <p:spPr>
+              <a:xfrm flipH="1">
+                <a:off x="7318545" y="4346517"/>
+                <a:ext cx="3019" cy="282528"/>
+              </a:xfrm>
+              <a:prstGeom prst="straightConnector1">
+                <a:avLst/>
+              </a:prstGeom>
+              <a:ln>
+                <a:solidFill>
+                  <a:schemeClr val="tx1"/>
+                </a:solidFill>
+                <a:tailEnd type="stealth"/>
+              </a:ln>
+            </p:spPr>
+            <p:style>
+              <a:lnRef idx="1">
+                <a:schemeClr val="accent1"/>
+              </a:lnRef>
+              <a:fillRef idx="0">
+                <a:schemeClr val="accent1"/>
+              </a:fillRef>
+              <a:effectRef idx="0">
+                <a:schemeClr val="accent1"/>
+              </a:effectRef>
+              <a:fontRef idx="minor">
+                <a:schemeClr val="tx1"/>
+              </a:fontRef>
+            </p:style>
+          </p:cxnSp>
+          <p:cxnSp>
+            <p:nvCxnSpPr>
+              <p:cNvPr id="192" name="Straight Arrow Connector 191"/>
+              <p:cNvCxnSpPr/>
+              <p:nvPr/>
+            </p:nvCxnSpPr>
+            <p:spPr>
+              <a:xfrm flipH="1">
+                <a:off x="6683436" y="3185490"/>
+                <a:ext cx="431790" cy="667978"/>
+              </a:xfrm>
+              <a:prstGeom prst="straightConnector1">
+                <a:avLst/>
+              </a:prstGeom>
+              <a:ln w="50800">
+                <a:solidFill>
+                  <a:srgbClr val="7030A0"/>
+                </a:solidFill>
+                <a:tailEnd type="stealth"/>
+              </a:ln>
+            </p:spPr>
+            <p:style>
+              <a:lnRef idx="1">
+                <a:schemeClr val="accent1"/>
+              </a:lnRef>
+              <a:fillRef idx="0">
+                <a:schemeClr val="accent1"/>
+              </a:fillRef>
+              <a:effectRef idx="0">
+                <a:schemeClr val="accent1"/>
+              </a:effectRef>
+              <a:fontRef idx="minor">
+                <a:schemeClr val="tx1"/>
+              </a:fontRef>
+            </p:style>
+          </p:cxnSp>
+          <p:cxnSp>
+            <p:nvCxnSpPr>
+              <p:cNvPr id="193" name="Straight Arrow Connector 192"/>
               <p:cNvCxnSpPr/>
               <p:nvPr/>
             </p:nvCxnSpPr>
             <p:spPr>
               <a:xfrm>
-                <a:off x="3812789" y="4419601"/>
-                <a:ext cx="609599" cy="544285"/>
+                <a:off x="6475038" y="3257204"/>
+                <a:ext cx="0" cy="514061"/>
               </a:xfrm>
-              <a:prstGeom prst="line">
+              <a:prstGeom prst="straightConnector1">
                 <a:avLst/>
               </a:prstGeom>
-              <a:ln w="19050">
+              <a:ln w="50800">
                 <a:solidFill>
-                  <a:schemeClr val="tx1"/>
+                  <a:srgbClr val="FF0000"/>
                 </a:solidFill>
+                <a:tailEnd type="stealth"/>
               </a:ln>
             </p:spPr>
             <p:style>
@@ -4493,14 +4702,14 @@
         </p:grpSp>
         <p:sp>
           <p:nvSpPr>
-            <p:cNvPr id="37" name="TextBox 36"/>
+            <p:cNvPr id="94" name="TextBox 93"/>
             <p:cNvSpPr txBox="1"/>
             <p:nvPr/>
           </p:nvSpPr>
           <p:spPr>
             <a:xfrm>
-              <a:off x="6799884" y="3269244"/>
-              <a:ext cx="510840" cy="461665"/>
+              <a:off x="5037899" y="4431249"/>
+              <a:ext cx="588677" cy="461665"/>
             </a:xfrm>
             <a:prstGeom prst="rect">
               <a:avLst/>
@@ -4515,12 +4724,8 @@
             <a:p>
               <a:pPr algn="ctr"/>
               <a:r>
-                <a:rPr lang="en-US" sz="2400" dirty="0" smtClean="0"/>
-                <a:t>P</a:t>
-              </a:r>
-              <a:r>
-                <a:rPr lang="en-US" sz="2400" baseline="-25000" dirty="0" smtClean="0"/>
-                <a:t>l1</a:t>
+                <a:rPr lang="en-US" sz="2400" smtClean="0"/>
+                <a:t>PG</a:t>
               </a:r>
               <a:endParaRPr lang="en-US" sz="2400" baseline="-25000" dirty="0"/>
             </a:p>
@@ -4528,14 +4733,14 @@
         </p:sp>
         <p:sp>
           <p:nvSpPr>
-            <p:cNvPr id="38" name="TextBox 37"/>
+            <p:cNvPr id="95" name="TextBox 94"/>
             <p:cNvSpPr txBox="1"/>
             <p:nvPr/>
           </p:nvSpPr>
           <p:spPr>
             <a:xfrm>
-              <a:off x="7568353" y="3268790"/>
-              <a:ext cx="523270" cy="461665"/>
+              <a:off x="6499251" y="1604953"/>
+              <a:ext cx="695631" cy="461665"/>
             </a:xfrm>
             <a:prstGeom prst="rect">
               <a:avLst/>
@@ -4550,183 +4755,47 @@
             <a:p>
               <a:pPr algn="ctr"/>
               <a:r>
-                <a:rPr lang="en-US" sz="2400" dirty="0" smtClean="0"/>
-                <a:t>P</a:t>
-              </a:r>
-              <a:r>
-                <a:rPr lang="en-US" sz="2400" baseline="-25000" dirty="0" smtClean="0"/>
-                <a:t>l2</a:t>
+                <a:rPr lang="en-US" sz="2400" smtClean="0"/>
+                <a:t>PG1</a:t>
               </a:r>
               <a:endParaRPr lang="en-US" sz="2400" baseline="-25000" dirty="0"/>
             </a:p>
           </p:txBody>
         </p:sp>
-        <p:sp>
-          <p:nvSpPr>
-            <p:cNvPr id="49" name="Rectangle 48"/>
-            <p:cNvSpPr/>
-            <p:nvPr/>
-          </p:nvSpPr>
-          <p:spPr>
-            <a:xfrm>
-              <a:off x="6730932" y="2201543"/>
-              <a:ext cx="1350705" cy="1528912"/>
-            </a:xfrm>
-            <a:prstGeom prst="rect">
-              <a:avLst/>
-            </a:prstGeom>
-            <a:noFill/>
-            <a:ln>
-              <a:solidFill>
-                <a:schemeClr val="tx1"/>
-              </a:solidFill>
-              <a:prstDash val="dashDot"/>
-            </a:ln>
-          </p:spPr>
-          <p:style>
-            <a:lnRef idx="2">
-              <a:schemeClr val="accent1">
-                <a:shade val="50000"/>
-              </a:schemeClr>
-            </a:lnRef>
-            <a:fillRef idx="1">
-              <a:schemeClr val="accent1"/>
-            </a:fillRef>
-            <a:effectRef idx="0">
-              <a:schemeClr val="accent1"/>
-            </a:effectRef>
-            <a:fontRef idx="minor">
-              <a:schemeClr val="lt1"/>
-            </a:fontRef>
-          </p:style>
-          <p:txBody>
-            <a:bodyPr rtlCol="0" anchor="ctr"/>
-            <a:lstStyle/>
-            <a:p>
-              <a:pPr algn="ctr"/>
-              <a:endParaRPr lang="en-US"/>
-            </a:p>
-          </p:txBody>
-        </p:sp>
-      </p:grpSp>
-      <p:cxnSp>
-        <p:nvCxnSpPr>
-          <p:cNvPr id="64" name="Straight Connector 63"/>
-          <p:cNvCxnSpPr/>
-          <p:nvPr/>
-        </p:nvCxnSpPr>
-        <p:spPr>
-          <a:xfrm>
-            <a:off x="1374595" y="2058008"/>
-            <a:ext cx="0" cy="324730"/>
-          </a:xfrm>
-          <a:prstGeom prst="line">
-            <a:avLst/>
-          </a:prstGeom>
-          <a:ln w="38100">
-            <a:solidFill>
-              <a:schemeClr val="tx1"/>
-            </a:solidFill>
-            <a:headEnd type="triangle" w="med" len="med"/>
-            <a:tailEnd type="triangle" w="med" len="med"/>
-          </a:ln>
-        </p:spPr>
-        <p:style>
-          <a:lnRef idx="1">
-            <a:schemeClr val="accent1"/>
-          </a:lnRef>
-          <a:fillRef idx="0">
-            <a:schemeClr val="accent1"/>
-          </a:fillRef>
-          <a:effectRef idx="0">
-            <a:schemeClr val="accent1"/>
-          </a:effectRef>
-          <a:fontRef idx="minor">
-            <a:schemeClr val="tx1"/>
-          </a:fontRef>
-        </p:style>
-      </p:cxnSp>
-      <p:grpSp>
-        <p:nvGrpSpPr>
-          <p:cNvPr id="195" name="Group 194"/>
-          <p:cNvGrpSpPr/>
-          <p:nvPr/>
-        </p:nvGrpSpPr>
-        <p:grpSpPr>
-          <a:xfrm>
-            <a:off x="3928665" y="1748852"/>
-            <a:ext cx="3116265" cy="3108989"/>
-            <a:chOff x="4687799" y="1520056"/>
-            <a:chExt cx="3116265" cy="3108989"/>
-          </a:xfrm>
-        </p:grpSpPr>
-        <p:sp>
-          <p:nvSpPr>
-            <p:cNvPr id="146" name="TextBox 145"/>
-            <p:cNvSpPr txBox="1"/>
-            <p:nvPr/>
-          </p:nvSpPr>
-          <p:spPr>
-            <a:xfrm>
-              <a:off x="7318545" y="1520056"/>
-              <a:ext cx="485519" cy="276999"/>
-            </a:xfrm>
-            <a:prstGeom prst="rect">
-              <a:avLst/>
-            </a:prstGeom>
-            <a:noFill/>
-          </p:spPr>
-          <p:txBody>
-            <a:bodyPr wrap="none" rtlCol="0">
-              <a:spAutoFit/>
-            </a:bodyPr>
-            <a:lstStyle/>
-            <a:p>
-              <a:pPr algn="ctr"/>
-              <a:r>
-                <a:rPr lang="en-US" sz="1200" i="1" dirty="0" smtClean="0"/>
-                <a:t>Start</a:t>
-              </a:r>
-              <a:endParaRPr lang="en-US" sz="1200" i="1" dirty="0"/>
-            </a:p>
-          </p:txBody>
-        </p:sp>
         <p:grpSp>
           <p:nvGrpSpPr>
-            <p:cNvPr id="47" name="Group 46"/>
+            <p:cNvPr id="96" name="Group 95"/>
             <p:cNvGrpSpPr/>
             <p:nvPr/>
           </p:nvGrpSpPr>
           <p:grpSpPr>
             <a:xfrm>
-              <a:off x="7028904" y="1808025"/>
-              <a:ext cx="589441" cy="561314"/>
-              <a:chOff x="2064189" y="1140737"/>
-              <a:chExt cx="589441" cy="561314"/>
+              <a:off x="543158" y="2000082"/>
+              <a:ext cx="3172024" cy="2635391"/>
+              <a:chOff x="554711" y="2044814"/>
+              <a:chExt cx="3172024" cy="2635391"/>
             </a:xfrm>
-            <a:solidFill>
-              <a:schemeClr val="accent2">
-                <a:lumMod val="20000"/>
-                <a:lumOff val="80000"/>
-              </a:schemeClr>
-            </a:solidFill>
           </p:grpSpPr>
           <p:sp>
             <p:nvSpPr>
-              <p:cNvPr id="143" name="Oval 142"/>
+              <p:cNvPr id="97" name="Rectangle 96"/>
               <p:cNvSpPr/>
               <p:nvPr/>
             </p:nvSpPr>
             <p:spPr>
               <a:xfrm>
-                <a:off x="2064189" y="1140737"/>
-                <a:ext cx="589441" cy="561314"/>
+                <a:off x="1164812" y="2369544"/>
+                <a:ext cx="385930" cy="326113"/>
               </a:xfrm>
-              <a:prstGeom prst="ellipse">
+              <a:prstGeom prst="rect">
                 <a:avLst/>
               </a:prstGeom>
-              <a:grpFill/>
-              <a:ln w="9525">
+              <a:solidFill>
+                <a:schemeClr val="bg2">
+                  <a:lumMod val="90000"/>
+                </a:schemeClr>
+              </a:solidFill>
+              <a:ln>
                 <a:solidFill>
                   <a:schemeClr val="tx1"/>
                 </a:solidFill>
@@ -4753,74 +4822,42 @@
               <a:lstStyle/>
               <a:p>
                 <a:pPr algn="ctr"/>
-                <a:endParaRPr lang="en-US"/>
+                <a:r>
+                  <a:rPr lang="en-US" sz="2400" dirty="0" smtClean="0">
+                    <a:solidFill>
+                      <a:schemeClr val="tx1"/>
+                    </a:solidFill>
+                  </a:rPr>
+                  <a:t>X</a:t>
+                </a:r>
+                <a:endParaRPr lang="en-US" sz="2400" dirty="0">
+                  <a:solidFill>
+                    <a:schemeClr val="tx1"/>
+                  </a:solidFill>
+                </a:endParaRPr>
               </a:p>
             </p:txBody>
           </p:sp>
           <p:sp>
             <p:nvSpPr>
-              <p:cNvPr id="144" name="TextBox 143"/>
-              <p:cNvSpPr txBox="1"/>
-              <p:nvPr/>
-            </p:nvSpPr>
-            <p:spPr>
-              <a:xfrm>
-                <a:off x="2221691" y="1282894"/>
-                <a:ext cx="274435" cy="276999"/>
-              </a:xfrm>
-              <a:prstGeom prst="rect">
-                <a:avLst/>
-              </a:prstGeom>
-              <a:grpFill/>
-            </p:spPr>
-            <p:txBody>
-              <a:bodyPr wrap="none" rtlCol="0">
-                <a:spAutoFit/>
-              </a:bodyPr>
-              <a:lstStyle/>
-              <a:p>
-                <a:pPr algn="ctr"/>
-                <a:r>
-                  <a:rPr lang="en-US" sz="1200" dirty="0" smtClean="0"/>
-                  <a:t>A</a:t>
-                </a:r>
-                <a:endParaRPr lang="en-US" sz="1200" dirty="0"/>
-              </a:p>
-            </p:txBody>
-          </p:sp>
-        </p:grpSp>
-        <p:grpSp>
-          <p:nvGrpSpPr>
-            <p:cNvPr id="56" name="Group 55"/>
-            <p:cNvGrpSpPr/>
-            <p:nvPr/>
-          </p:nvGrpSpPr>
-          <p:grpSpPr>
-            <a:xfrm>
-              <a:off x="6180317" y="2695890"/>
-              <a:ext cx="589441" cy="561314"/>
-              <a:chOff x="2064189" y="1140737"/>
-              <a:chExt cx="589441" cy="561314"/>
-            </a:xfrm>
-          </p:grpSpPr>
-          <p:sp>
-            <p:nvSpPr>
-              <p:cNvPr id="133" name="Oval 132"/>
+              <p:cNvPr id="98" name="Rectangle 97"/>
               <p:cNvSpPr/>
               <p:nvPr/>
             </p:nvSpPr>
             <p:spPr>
               <a:xfrm>
-                <a:off x="2064189" y="1140737"/>
-                <a:ext cx="589441" cy="561314"/>
+                <a:off x="2743047" y="2375606"/>
+                <a:ext cx="385930" cy="326113"/>
               </a:xfrm>
-              <a:prstGeom prst="ellipse">
+              <a:prstGeom prst="rect">
                 <a:avLst/>
               </a:prstGeom>
               <a:solidFill>
-                <a:schemeClr val="bg1"/>
+                <a:schemeClr val="bg2">
+                  <a:lumMod val="90000"/>
+                </a:schemeClr>
               </a:solidFill>
-              <a:ln w="9525">
+              <a:ln>
                 <a:solidFill>
                   <a:schemeClr val="tx1"/>
                 </a:solidFill>
@@ -4847,1433 +4884,746 @@
               <a:lstStyle/>
               <a:p>
                 <a:pPr algn="ctr"/>
-                <a:endParaRPr lang="en-US"/>
+                <a:r>
+                  <a:rPr lang="en-US" sz="2400" dirty="0" smtClean="0">
+                    <a:solidFill>
+                      <a:schemeClr val="tx1"/>
+                    </a:solidFill>
+                  </a:rPr>
+                  <a:t>Y</a:t>
+                </a:r>
+                <a:endParaRPr lang="en-US" sz="2400" dirty="0">
+                  <a:solidFill>
+                    <a:schemeClr val="tx1"/>
+                  </a:solidFill>
+                </a:endParaRPr>
               </a:p>
             </p:txBody>
           </p:sp>
-          <p:sp>
-            <p:nvSpPr>
-              <p:cNvPr id="134" name="TextBox 133"/>
-              <p:cNvSpPr txBox="1"/>
+          <p:cxnSp>
+            <p:nvCxnSpPr>
+              <p:cNvPr id="99" name="Straight Connector 98"/>
+              <p:cNvCxnSpPr/>
               <p:nvPr/>
-            </p:nvSpPr>
+            </p:nvCxnSpPr>
             <p:spPr>
-              <a:xfrm>
-                <a:off x="2225699" y="1282894"/>
-                <a:ext cx="266419" cy="276999"/>
+              <a:xfrm flipH="1">
+                <a:off x="884551" y="2695657"/>
+                <a:ext cx="473226" cy="607690"/>
               </a:xfrm>
-              <a:prstGeom prst="rect">
+              <a:prstGeom prst="line">
                 <a:avLst/>
               </a:prstGeom>
-              <a:noFill/>
-            </p:spPr>
-            <p:txBody>
-              <a:bodyPr wrap="none" rtlCol="0">
-                <a:spAutoFit/>
-              </a:bodyPr>
-              <a:lstStyle/>
-              <a:p>
-                <a:pPr algn="ctr"/>
-                <a:r>
-                  <a:rPr lang="en-US" sz="1200" dirty="0" smtClean="0"/>
-                  <a:t>C</a:t>
-                </a:r>
-                <a:endParaRPr lang="en-US" sz="1200" dirty="0"/>
-              </a:p>
-            </p:txBody>
-          </p:sp>
-        </p:grpSp>
-        <p:grpSp>
-          <p:nvGrpSpPr>
-            <p:cNvPr id="57" name="Group 56"/>
-            <p:cNvGrpSpPr/>
-            <p:nvPr/>
-          </p:nvGrpSpPr>
-          <p:grpSpPr>
-            <a:xfrm>
-              <a:off x="7028904" y="2706379"/>
-              <a:ext cx="589441" cy="561314"/>
-              <a:chOff x="2064189" y="1140737"/>
-              <a:chExt cx="589441" cy="561314"/>
-            </a:xfrm>
-          </p:grpSpPr>
-          <p:sp>
-            <p:nvSpPr>
-              <p:cNvPr id="131" name="Oval 130"/>
-              <p:cNvSpPr/>
-              <p:nvPr/>
-            </p:nvSpPr>
-            <p:spPr>
-              <a:xfrm>
-                <a:off x="2064189" y="1140737"/>
-                <a:ext cx="589441" cy="561314"/>
-              </a:xfrm>
-              <a:prstGeom prst="ellipse">
-                <a:avLst/>
-              </a:prstGeom>
-              <a:solidFill>
-                <a:schemeClr val="bg1"/>
-              </a:solidFill>
-              <a:ln w="9525">
+              <a:ln w="19050">
                 <a:solidFill>
                   <a:schemeClr val="tx1"/>
                 </a:solidFill>
               </a:ln>
             </p:spPr>
             <p:style>
-              <a:lnRef idx="2">
-                <a:schemeClr val="accent1">
-                  <a:shade val="50000"/>
-                </a:schemeClr>
+              <a:lnRef idx="1">
+                <a:schemeClr val="accent1"/>
               </a:lnRef>
-              <a:fillRef idx="1">
+              <a:fillRef idx="0">
                 <a:schemeClr val="accent1"/>
               </a:fillRef>
               <a:effectRef idx="0">
                 <a:schemeClr val="accent1"/>
               </a:effectRef>
               <a:fontRef idx="minor">
-                <a:schemeClr val="lt1"/>
+                <a:schemeClr val="tx1"/>
               </a:fontRef>
             </p:style>
-            <p:txBody>
-              <a:bodyPr rtlCol="0" anchor="ctr"/>
-              <a:lstStyle/>
-              <a:p>
-                <a:pPr algn="ctr"/>
-                <a:endParaRPr lang="en-US"/>
-              </a:p>
-            </p:txBody>
-          </p:sp>
-          <p:sp>
-            <p:nvSpPr>
-              <p:cNvPr id="132" name="TextBox 131"/>
-              <p:cNvSpPr txBox="1"/>
+          </p:cxnSp>
+          <p:cxnSp>
+            <p:nvCxnSpPr>
+              <p:cNvPr id="101" name="Straight Connector 100"/>
+              <p:cNvCxnSpPr/>
               <p:nvPr/>
-            </p:nvSpPr>
+            </p:nvCxnSpPr>
             <p:spPr>
-              <a:xfrm>
-                <a:off x="2219287" y="1282894"/>
-                <a:ext cx="279244" cy="276999"/>
+              <a:xfrm flipH="1">
+                <a:off x="884551" y="2701719"/>
+                <a:ext cx="2051461" cy="601628"/>
               </a:xfrm>
-              <a:prstGeom prst="rect">
+              <a:prstGeom prst="line">
                 <a:avLst/>
               </a:prstGeom>
-              <a:noFill/>
-            </p:spPr>
-            <p:txBody>
-              <a:bodyPr wrap="none" rtlCol="0">
-                <a:spAutoFit/>
-              </a:bodyPr>
-              <a:lstStyle/>
-              <a:p>
-                <a:pPr algn="ctr"/>
-                <a:r>
-                  <a:rPr lang="en-US" sz="1200" dirty="0" smtClean="0"/>
-                  <a:t>D</a:t>
-                </a:r>
-                <a:endParaRPr lang="en-US" sz="1200" dirty="0"/>
-              </a:p>
-            </p:txBody>
-          </p:sp>
-        </p:grpSp>
-        <p:grpSp>
-          <p:nvGrpSpPr>
-            <p:cNvPr id="58" name="Group 57"/>
-            <p:cNvGrpSpPr/>
-            <p:nvPr/>
-          </p:nvGrpSpPr>
-          <p:grpSpPr>
-            <a:xfrm>
-              <a:off x="6174279" y="1811981"/>
-              <a:ext cx="589441" cy="561314"/>
-              <a:chOff x="2064189" y="1140737"/>
-              <a:chExt cx="589441" cy="561314"/>
-            </a:xfrm>
-          </p:grpSpPr>
-          <p:sp>
-            <p:nvSpPr>
-              <p:cNvPr id="129" name="Oval 128"/>
-              <p:cNvSpPr/>
-              <p:nvPr/>
-            </p:nvSpPr>
-            <p:spPr>
-              <a:xfrm>
-                <a:off x="2064189" y="1140737"/>
-                <a:ext cx="589441" cy="561314"/>
-              </a:xfrm>
-              <a:prstGeom prst="ellipse">
-                <a:avLst/>
-              </a:prstGeom>
-              <a:solidFill>
-                <a:schemeClr val="bg1"/>
-              </a:solidFill>
-              <a:ln w="9525">
+              <a:ln w="19050">
                 <a:solidFill>
                   <a:schemeClr val="tx1"/>
                 </a:solidFill>
               </a:ln>
             </p:spPr>
             <p:style>
-              <a:lnRef idx="2">
-                <a:schemeClr val="accent1">
-                  <a:shade val="50000"/>
-                </a:schemeClr>
+              <a:lnRef idx="1">
+                <a:schemeClr val="accent1"/>
               </a:lnRef>
-              <a:fillRef idx="1">
+              <a:fillRef idx="0">
                 <a:schemeClr val="accent1"/>
               </a:fillRef>
               <a:effectRef idx="0">
                 <a:schemeClr val="accent1"/>
               </a:effectRef>
               <a:fontRef idx="minor">
-                <a:schemeClr val="lt1"/>
+                <a:schemeClr val="tx1"/>
               </a:fontRef>
             </p:style>
-            <p:txBody>
-              <a:bodyPr rtlCol="0" anchor="ctr"/>
-              <a:lstStyle/>
-              <a:p>
-                <a:pPr algn="ctr"/>
-                <a:endParaRPr lang="en-US"/>
-              </a:p>
-            </p:txBody>
-          </p:sp>
-          <p:sp>
-            <p:nvSpPr>
-              <p:cNvPr id="130" name="TextBox 129"/>
-              <p:cNvSpPr txBox="1"/>
+          </p:cxnSp>
+          <p:cxnSp>
+            <p:nvCxnSpPr>
+              <p:cNvPr id="102" name="Straight Connector 101"/>
+              <p:cNvCxnSpPr/>
               <p:nvPr/>
-            </p:nvSpPr>
+            </p:nvCxnSpPr>
             <p:spPr>
               <a:xfrm>
-                <a:off x="2224898" y="1282894"/>
-                <a:ext cx="268022" cy="276999"/>
+                <a:off x="1357777" y="2695657"/>
+                <a:ext cx="285325" cy="607690"/>
               </a:xfrm>
-              <a:prstGeom prst="rect">
+              <a:prstGeom prst="line">
                 <a:avLst/>
               </a:prstGeom>
-              <a:noFill/>
-            </p:spPr>
-            <p:txBody>
-              <a:bodyPr wrap="none" rtlCol="0">
-                <a:spAutoFit/>
-              </a:bodyPr>
-              <a:lstStyle/>
-              <a:p>
-                <a:pPr algn="ctr"/>
-                <a:r>
-                  <a:rPr lang="en-US" sz="1200" dirty="0" smtClean="0"/>
-                  <a:t>B</a:t>
-                </a:r>
-                <a:endParaRPr lang="en-US" sz="1200" dirty="0"/>
-              </a:p>
-            </p:txBody>
-          </p:sp>
-        </p:grpSp>
-        <p:grpSp>
-          <p:nvGrpSpPr>
-            <p:cNvPr id="62" name="Group 61"/>
-            <p:cNvGrpSpPr/>
-            <p:nvPr/>
-          </p:nvGrpSpPr>
-          <p:grpSpPr>
-            <a:xfrm>
-              <a:off x="6180317" y="3771265"/>
-              <a:ext cx="589441" cy="561314"/>
-              <a:chOff x="2064189" y="1140737"/>
-              <a:chExt cx="589441" cy="561314"/>
-            </a:xfrm>
-            <a:solidFill>
-              <a:schemeClr val="accent2">
-                <a:lumMod val="20000"/>
-                <a:lumOff val="80000"/>
-              </a:schemeClr>
-            </a:solidFill>
-          </p:grpSpPr>
-          <p:sp>
-            <p:nvSpPr>
-              <p:cNvPr id="123" name="Oval 122"/>
-              <p:cNvSpPr/>
-              <p:nvPr/>
-            </p:nvSpPr>
-            <p:spPr>
-              <a:xfrm>
-                <a:off x="2064189" y="1140737"/>
-                <a:ext cx="589441" cy="561314"/>
-              </a:xfrm>
-              <a:prstGeom prst="ellipse">
-                <a:avLst/>
-              </a:prstGeom>
-              <a:grpFill/>
-              <a:ln w="9525">
+              <a:ln w="19050">
                 <a:solidFill>
                   <a:schemeClr val="tx1"/>
                 </a:solidFill>
               </a:ln>
             </p:spPr>
             <p:style>
-              <a:lnRef idx="2">
-                <a:schemeClr val="accent1">
-                  <a:shade val="50000"/>
-                </a:schemeClr>
+              <a:lnRef idx="1">
+                <a:schemeClr val="accent1"/>
               </a:lnRef>
-              <a:fillRef idx="1">
+              <a:fillRef idx="0">
                 <a:schemeClr val="accent1"/>
               </a:fillRef>
               <a:effectRef idx="0">
                 <a:schemeClr val="accent1"/>
               </a:effectRef>
               <a:fontRef idx="minor">
-                <a:schemeClr val="lt1"/>
+                <a:schemeClr val="tx1"/>
               </a:fontRef>
             </p:style>
-            <p:txBody>
-              <a:bodyPr rtlCol="0" anchor="ctr"/>
-              <a:lstStyle/>
-              <a:p>
-                <a:pPr algn="ctr"/>
-                <a:endParaRPr lang="en-US"/>
-              </a:p>
-            </p:txBody>
-          </p:sp>
-          <p:sp>
-            <p:nvSpPr>
-              <p:cNvPr id="124" name="TextBox 123"/>
-              <p:cNvSpPr txBox="1"/>
+          </p:cxnSp>
+          <p:cxnSp>
+            <p:nvCxnSpPr>
+              <p:cNvPr id="125" name="Straight Connector 124"/>
+              <p:cNvCxnSpPr/>
               <p:nvPr/>
-            </p:nvSpPr>
+            </p:nvCxnSpPr>
             <p:spPr>
               <a:xfrm>
-                <a:off x="2226501" y="1282894"/>
-                <a:ext cx="264816" cy="276999"/>
+                <a:off x="2936012" y="2701719"/>
+                <a:ext cx="475758" cy="612406"/>
               </a:xfrm>
-              <a:prstGeom prst="rect">
+              <a:prstGeom prst="line">
                 <a:avLst/>
               </a:prstGeom>
-              <a:grpFill/>
-            </p:spPr>
-            <p:txBody>
-              <a:bodyPr wrap="none" rtlCol="0">
-                <a:spAutoFit/>
-              </a:bodyPr>
-              <a:lstStyle/>
-              <a:p>
-                <a:pPr algn="ctr"/>
-                <a:r>
-                  <a:rPr lang="en-US" sz="1200" dirty="0" smtClean="0"/>
-                  <a:t>X</a:t>
-                </a:r>
-                <a:endParaRPr lang="en-US" sz="1200" dirty="0"/>
-              </a:p>
-            </p:txBody>
-          </p:sp>
-        </p:grpSp>
-        <p:cxnSp>
-          <p:nvCxnSpPr>
-            <p:cNvPr id="69" name="Straight Arrow Connector 68"/>
-            <p:cNvCxnSpPr>
-              <a:endCxn id="143" idx="0"/>
-            </p:cNvCxnSpPr>
-            <p:nvPr/>
-          </p:nvCxnSpPr>
-          <p:spPr>
-            <a:xfrm>
-              <a:off x="7323625" y="1577993"/>
-              <a:ext cx="0" cy="230032"/>
-            </a:xfrm>
-            <a:prstGeom prst="straightConnector1">
-              <a:avLst/>
-            </a:prstGeom>
-            <a:ln>
-              <a:solidFill>
-                <a:schemeClr val="tx1"/>
-              </a:solidFill>
-              <a:tailEnd type="stealth"/>
-            </a:ln>
-          </p:spPr>
-          <p:style>
-            <a:lnRef idx="1">
-              <a:schemeClr val="accent1"/>
-            </a:lnRef>
-            <a:fillRef idx="0">
-              <a:schemeClr val="accent1"/>
-            </a:fillRef>
-            <a:effectRef idx="0">
-              <a:schemeClr val="accent1"/>
-            </a:effectRef>
-            <a:fontRef idx="minor">
-              <a:schemeClr val="tx1"/>
-            </a:fontRef>
-          </p:style>
-        </p:cxnSp>
-        <p:cxnSp>
-          <p:nvCxnSpPr>
-            <p:cNvPr id="78" name="Straight Arrow Connector 77"/>
-            <p:cNvCxnSpPr>
-              <a:stCxn id="143" idx="4"/>
-              <a:endCxn id="131" idx="0"/>
-            </p:cNvCxnSpPr>
-            <p:nvPr/>
-          </p:nvCxnSpPr>
-          <p:spPr>
-            <a:xfrm>
-              <a:off x="7323625" y="2369339"/>
-              <a:ext cx="0" cy="337040"/>
-            </a:xfrm>
-            <a:prstGeom prst="straightConnector1">
-              <a:avLst/>
-            </a:prstGeom>
-            <a:ln w="28575">
-              <a:solidFill>
-                <a:schemeClr val="accent6">
-                  <a:lumMod val="75000"/>
-                </a:schemeClr>
-              </a:solidFill>
-              <a:tailEnd type="stealth"/>
-            </a:ln>
-          </p:spPr>
-          <p:style>
-            <a:lnRef idx="1">
-              <a:schemeClr val="accent1"/>
-            </a:lnRef>
-            <a:fillRef idx="0">
-              <a:schemeClr val="accent1"/>
-            </a:fillRef>
-            <a:effectRef idx="0">
-              <a:schemeClr val="accent1"/>
-            </a:effectRef>
-            <a:fontRef idx="minor">
-              <a:schemeClr val="tx1"/>
-            </a:fontRef>
-          </p:style>
-        </p:cxnSp>
-        <p:cxnSp>
-          <p:nvCxnSpPr>
-            <p:cNvPr id="79" name="Straight Arrow Connector 78"/>
-            <p:cNvCxnSpPr>
-              <a:stCxn id="131" idx="1"/>
-              <a:endCxn id="129" idx="5"/>
-            </p:cNvCxnSpPr>
-            <p:nvPr/>
-          </p:nvCxnSpPr>
-          <p:spPr>
-            <a:xfrm flipH="1" flipV="1">
-              <a:off x="6677398" y="2291092"/>
-              <a:ext cx="437828" cy="497490"/>
-            </a:xfrm>
-            <a:prstGeom prst="straightConnector1">
-              <a:avLst/>
-            </a:prstGeom>
-            <a:ln>
-              <a:solidFill>
-                <a:schemeClr val="tx1"/>
-              </a:solidFill>
-              <a:tailEnd type="stealth"/>
-            </a:ln>
-          </p:spPr>
-          <p:style>
-            <a:lnRef idx="1">
-              <a:schemeClr val="accent1"/>
-            </a:lnRef>
-            <a:fillRef idx="0">
-              <a:schemeClr val="accent1"/>
-            </a:fillRef>
-            <a:effectRef idx="0">
-              <a:schemeClr val="accent1"/>
-            </a:effectRef>
-            <a:fontRef idx="minor">
-              <a:schemeClr val="tx1"/>
-            </a:fontRef>
-          </p:style>
-        </p:cxnSp>
-        <p:cxnSp>
-          <p:nvCxnSpPr>
-            <p:cNvPr id="93" name="Straight Arrow Connector 92"/>
-            <p:cNvCxnSpPr>
-              <a:stCxn id="143" idx="3"/>
-              <a:endCxn id="133" idx="7"/>
-            </p:cNvCxnSpPr>
-            <p:nvPr/>
-          </p:nvCxnSpPr>
-          <p:spPr>
-            <a:xfrm flipH="1">
-              <a:off x="6683436" y="2287136"/>
-              <a:ext cx="431790" cy="490957"/>
-            </a:xfrm>
-            <a:prstGeom prst="straightConnector1">
-              <a:avLst/>
-            </a:prstGeom>
-            <a:ln w="28575">
-              <a:solidFill>
-                <a:schemeClr val="accent1">
-                  <a:lumMod val="75000"/>
-                </a:schemeClr>
-              </a:solidFill>
-              <a:tailEnd type="stealth"/>
-            </a:ln>
-          </p:spPr>
-          <p:style>
-            <a:lnRef idx="1">
-              <a:schemeClr val="accent1"/>
-            </a:lnRef>
-            <a:fillRef idx="0">
-              <a:schemeClr val="accent1"/>
-            </a:fillRef>
-            <a:effectRef idx="0">
-              <a:schemeClr val="accent1"/>
-            </a:effectRef>
-            <a:fontRef idx="minor">
-              <a:schemeClr val="tx1"/>
-            </a:fontRef>
-          </p:style>
-        </p:cxnSp>
-        <p:cxnSp>
-          <p:nvCxnSpPr>
-            <p:cNvPr id="149" name="Straight Arrow Connector 148"/>
-            <p:cNvCxnSpPr>
-              <a:stCxn id="133" idx="0"/>
-              <a:endCxn id="129" idx="4"/>
-            </p:cNvCxnSpPr>
-            <p:nvPr/>
-          </p:nvCxnSpPr>
-          <p:spPr>
-            <a:xfrm flipH="1" flipV="1">
-              <a:off x="6469000" y="2373295"/>
-              <a:ext cx="6038" cy="322595"/>
-            </a:xfrm>
-            <a:prstGeom prst="straightConnector1">
-              <a:avLst/>
-            </a:prstGeom>
-            <a:ln>
-              <a:solidFill>
-                <a:schemeClr val="tx1"/>
-              </a:solidFill>
-              <a:tailEnd type="stealth"/>
-            </a:ln>
-          </p:spPr>
-          <p:style>
-            <a:lnRef idx="1">
-              <a:schemeClr val="accent1"/>
-            </a:lnRef>
-            <a:fillRef idx="0">
-              <a:schemeClr val="accent1"/>
-            </a:fillRef>
-            <a:effectRef idx="0">
-              <a:schemeClr val="accent1"/>
-            </a:effectRef>
-            <a:fontRef idx="minor">
-              <a:schemeClr val="tx1"/>
-            </a:fontRef>
-          </p:style>
-        </p:cxnSp>
-        <p:grpSp>
-          <p:nvGrpSpPr>
-            <p:cNvPr id="150" name="Group 149"/>
-            <p:cNvGrpSpPr/>
-            <p:nvPr/>
-          </p:nvGrpSpPr>
-          <p:grpSpPr>
-            <a:xfrm>
-              <a:off x="7023825" y="3786860"/>
-              <a:ext cx="589441" cy="561314"/>
-              <a:chOff x="2064189" y="1140737"/>
-              <a:chExt cx="589441" cy="561314"/>
-            </a:xfrm>
-          </p:grpSpPr>
-          <p:sp>
-            <p:nvSpPr>
-              <p:cNvPr id="151" name="Oval 150"/>
-              <p:cNvSpPr/>
-              <p:nvPr/>
-            </p:nvSpPr>
-            <p:spPr>
-              <a:xfrm>
-                <a:off x="2064189" y="1140737"/>
-                <a:ext cx="589441" cy="561314"/>
-              </a:xfrm>
-              <a:prstGeom prst="ellipse">
-                <a:avLst/>
-              </a:prstGeom>
-              <a:solidFill>
-                <a:schemeClr val="bg1"/>
-              </a:solidFill>
-              <a:ln w="9525">
+              <a:ln w="19050">
                 <a:solidFill>
                   <a:schemeClr val="tx1"/>
                 </a:solidFill>
               </a:ln>
             </p:spPr>
             <p:style>
-              <a:lnRef idx="2">
-                <a:schemeClr val="accent1">
-                  <a:shade val="50000"/>
-                </a:schemeClr>
+              <a:lnRef idx="1">
+                <a:schemeClr val="accent1"/>
               </a:lnRef>
-              <a:fillRef idx="1">
+              <a:fillRef idx="0">
                 <a:schemeClr val="accent1"/>
               </a:fillRef>
               <a:effectRef idx="0">
                 <a:schemeClr val="accent1"/>
               </a:effectRef>
               <a:fontRef idx="minor">
-                <a:schemeClr val="lt1"/>
+                <a:schemeClr val="tx1"/>
               </a:fontRef>
             </p:style>
-            <p:txBody>
-              <a:bodyPr rtlCol="0" anchor="ctr"/>
-              <a:lstStyle/>
-              <a:p>
-                <a:pPr algn="ctr"/>
-                <a:endParaRPr lang="en-US"/>
-              </a:p>
-            </p:txBody>
-          </p:sp>
-          <p:sp>
-            <p:nvSpPr>
-              <p:cNvPr id="152" name="TextBox 151"/>
-              <p:cNvSpPr txBox="1"/>
+          </p:cxnSp>
+          <p:cxnSp>
+            <p:nvCxnSpPr>
+              <p:cNvPr id="126" name="Straight Connector 125"/>
+              <p:cNvCxnSpPr/>
               <p:nvPr/>
-            </p:nvSpPr>
+            </p:nvCxnSpPr>
             <p:spPr>
-              <a:xfrm>
-                <a:off x="2226501" y="1282894"/>
-                <a:ext cx="264816" cy="276999"/>
+              <a:xfrm flipH="1">
+                <a:off x="2653219" y="2701719"/>
+                <a:ext cx="282793" cy="612406"/>
               </a:xfrm>
-              <a:prstGeom prst="rect">
+              <a:prstGeom prst="line">
                 <a:avLst/>
               </a:prstGeom>
-              <a:noFill/>
-            </p:spPr>
-            <p:txBody>
-              <a:bodyPr wrap="none" rtlCol="0">
-                <a:spAutoFit/>
-              </a:bodyPr>
-              <a:lstStyle/>
-              <a:p>
-                <a:pPr algn="ctr"/>
-                <a:r>
-                  <a:rPr lang="en-US" sz="1200" dirty="0" smtClean="0"/>
-                  <a:t>Y</a:t>
-                </a:r>
-                <a:endParaRPr lang="en-US" sz="1200" dirty="0"/>
-              </a:p>
-            </p:txBody>
-          </p:sp>
-        </p:grpSp>
-        <p:cxnSp>
-          <p:nvCxnSpPr>
-            <p:cNvPr id="153" name="Straight Arrow Connector 152"/>
-            <p:cNvCxnSpPr>
-              <a:stCxn id="131" idx="4"/>
-              <a:endCxn id="151" idx="0"/>
-            </p:cNvCxnSpPr>
-            <p:nvPr/>
-          </p:nvCxnSpPr>
-          <p:spPr>
-            <a:xfrm flipH="1">
-              <a:off x="7318546" y="3267693"/>
-              <a:ext cx="5079" cy="519167"/>
-            </a:xfrm>
-            <a:prstGeom prst="straightConnector1">
-              <a:avLst/>
-            </a:prstGeom>
-            <a:ln>
-              <a:solidFill>
-                <a:schemeClr val="tx1"/>
-              </a:solidFill>
-              <a:tailEnd type="stealth"/>
-            </a:ln>
-          </p:spPr>
-          <p:style>
-            <a:lnRef idx="1">
-              <a:schemeClr val="accent1"/>
-            </a:lnRef>
-            <a:fillRef idx="0">
-              <a:schemeClr val="accent1"/>
-            </a:fillRef>
-            <a:effectRef idx="0">
-              <a:schemeClr val="accent1"/>
-            </a:effectRef>
-            <a:fontRef idx="minor">
-              <a:schemeClr val="tx1"/>
-            </a:fontRef>
-          </p:style>
-        </p:cxnSp>
-        <p:grpSp>
-          <p:nvGrpSpPr>
-            <p:cNvPr id="156" name="Group 155"/>
-            <p:cNvGrpSpPr/>
-            <p:nvPr/>
-          </p:nvGrpSpPr>
-          <p:grpSpPr>
-            <a:xfrm>
-              <a:off x="4688404" y="2694539"/>
-              <a:ext cx="589441" cy="561314"/>
-              <a:chOff x="2064189" y="1140737"/>
-              <a:chExt cx="589441" cy="561314"/>
-            </a:xfrm>
-          </p:grpSpPr>
-          <p:sp>
-            <p:nvSpPr>
-              <p:cNvPr id="157" name="Oval 156"/>
-              <p:cNvSpPr/>
-              <p:nvPr/>
-            </p:nvSpPr>
-            <p:spPr>
-              <a:xfrm>
-                <a:off x="2064189" y="1140737"/>
-                <a:ext cx="589441" cy="561314"/>
-              </a:xfrm>
-              <a:prstGeom prst="ellipse">
-                <a:avLst/>
-              </a:prstGeom>
-              <a:solidFill>
-                <a:schemeClr val="bg1"/>
-              </a:solidFill>
-              <a:ln w="9525">
+              <a:ln w="19050">
                 <a:solidFill>
                   <a:schemeClr val="tx1"/>
                 </a:solidFill>
               </a:ln>
             </p:spPr>
             <p:style>
-              <a:lnRef idx="2">
-                <a:schemeClr val="accent1">
-                  <a:shade val="50000"/>
-                </a:schemeClr>
+              <a:lnRef idx="1">
+                <a:schemeClr val="accent1"/>
               </a:lnRef>
-              <a:fillRef idx="1">
+              <a:fillRef idx="0">
                 <a:schemeClr val="accent1"/>
               </a:fillRef>
               <a:effectRef idx="0">
                 <a:schemeClr val="accent1"/>
               </a:effectRef>
               <a:fontRef idx="minor">
-                <a:schemeClr val="lt1"/>
+                <a:schemeClr val="tx1"/>
               </a:fontRef>
             </p:style>
-            <p:txBody>
-              <a:bodyPr rtlCol="0" anchor="ctr"/>
-              <a:lstStyle/>
-              <a:p>
-                <a:pPr algn="ctr"/>
-                <a:endParaRPr lang="en-US"/>
-              </a:p>
-            </p:txBody>
-          </p:sp>
-          <p:sp>
-            <p:nvSpPr>
-              <p:cNvPr id="158" name="TextBox 157"/>
-              <p:cNvSpPr txBox="1"/>
+          </p:cxnSp>
+          <p:cxnSp>
+            <p:nvCxnSpPr>
+              <p:cNvPr id="127" name="Straight Connector 126"/>
+              <p:cNvCxnSpPr/>
               <p:nvPr/>
-            </p:nvSpPr>
+            </p:nvCxnSpPr>
             <p:spPr>
-              <a:xfrm>
-                <a:off x="2217684" y="1282894"/>
-                <a:ext cx="282450" cy="276999"/>
+              <a:xfrm flipH="1">
+                <a:off x="1643102" y="2701719"/>
+                <a:ext cx="1292910" cy="601628"/>
               </a:xfrm>
-              <a:prstGeom prst="rect">
+              <a:prstGeom prst="line">
                 <a:avLst/>
               </a:prstGeom>
-              <a:noFill/>
-            </p:spPr>
-            <p:txBody>
-              <a:bodyPr wrap="none" rtlCol="0">
-                <a:spAutoFit/>
-              </a:bodyPr>
-              <a:lstStyle/>
-              <a:p>
-                <a:pPr algn="ctr"/>
-                <a:r>
-                  <a:rPr lang="en-US" sz="1200" dirty="0" smtClean="0"/>
-                  <a:t>G</a:t>
-                </a:r>
-                <a:endParaRPr lang="en-US" sz="1200" dirty="0"/>
-              </a:p>
-            </p:txBody>
-          </p:sp>
-        </p:grpSp>
-        <p:grpSp>
-          <p:nvGrpSpPr>
-            <p:cNvPr id="159" name="Group 158"/>
-            <p:cNvGrpSpPr/>
-            <p:nvPr/>
-          </p:nvGrpSpPr>
-          <p:grpSpPr>
-            <a:xfrm>
-              <a:off x="5439113" y="2694540"/>
-              <a:ext cx="589441" cy="561314"/>
-              <a:chOff x="2064189" y="1140737"/>
-              <a:chExt cx="589441" cy="561314"/>
-            </a:xfrm>
-          </p:grpSpPr>
-          <p:sp>
-            <p:nvSpPr>
-              <p:cNvPr id="160" name="Oval 159"/>
-              <p:cNvSpPr/>
-              <p:nvPr/>
-            </p:nvSpPr>
-            <p:spPr>
-              <a:xfrm>
-                <a:off x="2064189" y="1140737"/>
-                <a:ext cx="589441" cy="561314"/>
-              </a:xfrm>
-              <a:prstGeom prst="ellipse">
-                <a:avLst/>
-              </a:prstGeom>
-              <a:solidFill>
-                <a:schemeClr val="bg1"/>
-              </a:solidFill>
-              <a:ln w="9525">
+              <a:ln w="19050">
                 <a:solidFill>
                   <a:schemeClr val="tx1"/>
                 </a:solidFill>
               </a:ln>
             </p:spPr>
             <p:style>
-              <a:lnRef idx="2">
-                <a:schemeClr val="accent1">
-                  <a:shade val="50000"/>
-                </a:schemeClr>
+              <a:lnRef idx="1">
+                <a:schemeClr val="accent1"/>
               </a:lnRef>
-              <a:fillRef idx="1">
+              <a:fillRef idx="0">
                 <a:schemeClr val="accent1"/>
               </a:fillRef>
               <a:effectRef idx="0">
                 <a:schemeClr val="accent1"/>
               </a:effectRef>
               <a:fontRef idx="minor">
-                <a:schemeClr val="lt1"/>
+                <a:schemeClr val="tx1"/>
               </a:fontRef>
             </p:style>
-            <p:txBody>
-              <a:bodyPr rtlCol="0" anchor="ctr"/>
-              <a:lstStyle/>
-              <a:p>
-                <a:pPr algn="ctr"/>
-                <a:endParaRPr lang="en-US"/>
-              </a:p>
-            </p:txBody>
-          </p:sp>
-          <p:sp>
-            <p:nvSpPr>
-              <p:cNvPr id="161" name="TextBox 160"/>
-              <p:cNvSpPr txBox="1"/>
+          </p:cxnSp>
+          <p:cxnSp>
+            <p:nvCxnSpPr>
+              <p:cNvPr id="128" name="Straight Connector 127"/>
+              <p:cNvCxnSpPr/>
               <p:nvPr/>
-            </p:nvSpPr>
+            </p:nvCxnSpPr>
             <p:spPr>
               <a:xfrm>
-                <a:off x="2217684" y="1282894"/>
-                <a:ext cx="282450" cy="276999"/>
+                <a:off x="1357777" y="2695657"/>
+                <a:ext cx="2053993" cy="618468"/>
               </a:xfrm>
-              <a:prstGeom prst="rect">
+              <a:prstGeom prst="line">
                 <a:avLst/>
               </a:prstGeom>
-              <a:noFill/>
-            </p:spPr>
-            <p:txBody>
-              <a:bodyPr wrap="none" rtlCol="0">
-                <a:spAutoFit/>
-              </a:bodyPr>
-              <a:lstStyle/>
-              <a:p>
-                <a:pPr algn="ctr"/>
-                <a:r>
-                  <a:rPr lang="en-US" sz="1200" dirty="0" smtClean="0"/>
-                  <a:t>H</a:t>
-                </a:r>
-                <a:endParaRPr lang="en-US" sz="1200" dirty="0"/>
-              </a:p>
-            </p:txBody>
-          </p:sp>
-        </p:grpSp>
-        <p:grpSp>
-          <p:nvGrpSpPr>
-            <p:cNvPr id="162" name="Group 161"/>
-            <p:cNvGrpSpPr/>
-            <p:nvPr/>
-          </p:nvGrpSpPr>
-          <p:grpSpPr>
-            <a:xfrm>
-              <a:off x="4687799" y="1809702"/>
-              <a:ext cx="589441" cy="561314"/>
-              <a:chOff x="2064189" y="1140737"/>
-              <a:chExt cx="589441" cy="561314"/>
-            </a:xfrm>
-          </p:grpSpPr>
-          <p:sp>
-            <p:nvSpPr>
-              <p:cNvPr id="163" name="Oval 162"/>
-              <p:cNvSpPr/>
-              <p:nvPr/>
-            </p:nvSpPr>
-            <p:spPr>
-              <a:xfrm>
-                <a:off x="2064189" y="1140737"/>
-                <a:ext cx="589441" cy="561314"/>
-              </a:xfrm>
-              <a:prstGeom prst="ellipse">
-                <a:avLst/>
-              </a:prstGeom>
-              <a:solidFill>
-                <a:schemeClr val="bg1"/>
-              </a:solidFill>
-              <a:ln w="9525">
+              <a:ln w="19050">
                 <a:solidFill>
                   <a:schemeClr val="tx1"/>
                 </a:solidFill>
               </a:ln>
             </p:spPr>
             <p:style>
-              <a:lnRef idx="2">
-                <a:schemeClr val="accent1">
-                  <a:shade val="50000"/>
-                </a:schemeClr>
+              <a:lnRef idx="1">
+                <a:schemeClr val="accent1"/>
               </a:lnRef>
-              <a:fillRef idx="1">
+              <a:fillRef idx="0">
                 <a:schemeClr val="accent1"/>
               </a:fillRef>
               <a:effectRef idx="0">
                 <a:schemeClr val="accent1"/>
               </a:effectRef>
               <a:fontRef idx="minor">
-                <a:schemeClr val="lt1"/>
+                <a:schemeClr val="tx1"/>
               </a:fontRef>
             </p:style>
-            <p:txBody>
-              <a:bodyPr rtlCol="0" anchor="ctr"/>
-              <a:lstStyle/>
-              <a:p>
-                <a:pPr algn="ctr"/>
-                <a:endParaRPr lang="en-US"/>
-              </a:p>
-            </p:txBody>
-          </p:sp>
-          <p:sp>
-            <p:nvSpPr>
-              <p:cNvPr id="164" name="TextBox 163"/>
-              <p:cNvSpPr txBox="1"/>
+          </p:cxnSp>
+          <p:cxnSp>
+            <p:nvCxnSpPr>
+              <p:cNvPr id="135" name="Straight Connector 134"/>
+              <p:cNvCxnSpPr/>
               <p:nvPr/>
-            </p:nvSpPr>
+            </p:nvCxnSpPr>
             <p:spPr>
               <a:xfrm>
-                <a:off x="2228905" y="1282894"/>
-                <a:ext cx="260007" cy="276999"/>
+                <a:off x="1357777" y="2695657"/>
+                <a:ext cx="1295442" cy="618468"/>
               </a:xfrm>
-              <a:prstGeom prst="rect">
+              <a:prstGeom prst="line">
                 <a:avLst/>
               </a:prstGeom>
-              <a:noFill/>
-            </p:spPr>
-            <p:txBody>
-              <a:bodyPr wrap="none" rtlCol="0">
-                <a:spAutoFit/>
-              </a:bodyPr>
-              <a:lstStyle/>
-              <a:p>
-                <a:pPr algn="ctr"/>
-                <a:r>
-                  <a:rPr lang="en-US" sz="1200" dirty="0" smtClean="0"/>
-                  <a:t>E</a:t>
-                </a:r>
-                <a:endParaRPr lang="en-US" sz="1200" dirty="0"/>
-              </a:p>
-            </p:txBody>
-          </p:sp>
-        </p:grpSp>
-        <p:grpSp>
-          <p:nvGrpSpPr>
-            <p:cNvPr id="165" name="Group 164"/>
-            <p:cNvGrpSpPr/>
-            <p:nvPr/>
-          </p:nvGrpSpPr>
-          <p:grpSpPr>
-            <a:xfrm>
-              <a:off x="5438508" y="1809703"/>
-              <a:ext cx="589441" cy="561314"/>
-              <a:chOff x="2064189" y="1140737"/>
-              <a:chExt cx="589441" cy="561314"/>
-            </a:xfrm>
-          </p:grpSpPr>
-          <p:sp>
-            <p:nvSpPr>
-              <p:cNvPr id="166" name="Oval 165"/>
-              <p:cNvSpPr/>
-              <p:nvPr/>
-            </p:nvSpPr>
-            <p:spPr>
-              <a:xfrm>
-                <a:off x="2064189" y="1140737"/>
-                <a:ext cx="589441" cy="561314"/>
-              </a:xfrm>
-              <a:prstGeom prst="ellipse">
-                <a:avLst/>
-              </a:prstGeom>
-              <a:solidFill>
-                <a:schemeClr val="bg1"/>
-              </a:solidFill>
-              <a:ln w="9525">
+              <a:ln w="19050">
                 <a:solidFill>
                   <a:schemeClr val="tx1"/>
                 </a:solidFill>
               </a:ln>
             </p:spPr>
             <p:style>
-              <a:lnRef idx="2">
-                <a:schemeClr val="accent1">
-                  <a:shade val="50000"/>
-                </a:schemeClr>
+              <a:lnRef idx="1">
+                <a:schemeClr val="accent1"/>
               </a:lnRef>
-              <a:fillRef idx="1">
+              <a:fillRef idx="0">
                 <a:schemeClr val="accent1"/>
               </a:fillRef>
               <a:effectRef idx="0">
                 <a:schemeClr val="accent1"/>
               </a:effectRef>
               <a:fontRef idx="minor">
-                <a:schemeClr val="lt1"/>
+                <a:schemeClr val="tx1"/>
               </a:fontRef>
             </p:style>
-            <p:txBody>
-              <a:bodyPr rtlCol="0" anchor="ctr"/>
-              <a:lstStyle/>
-              <a:p>
-                <a:pPr algn="ctr"/>
-                <a:endParaRPr lang="en-US"/>
-              </a:p>
-            </p:txBody>
-          </p:sp>
-          <p:sp>
-            <p:nvSpPr>
-              <p:cNvPr id="167" name="TextBox 166"/>
-              <p:cNvSpPr txBox="1"/>
+          </p:cxnSp>
+          <p:grpSp>
+            <p:nvGrpSpPr>
+              <p:cNvPr id="136" name="Group 135"/>
+              <p:cNvGrpSpPr/>
               <p:nvPr/>
-            </p:nvSpPr>
-            <p:spPr>
+            </p:nvGrpSpPr>
+            <p:grpSpPr>
               <a:xfrm>
-                <a:off x="2231310" y="1282894"/>
-                <a:ext cx="255198" cy="276999"/>
+                <a:off x="554711" y="3140061"/>
+                <a:ext cx="1438780" cy="1528912"/>
+                <a:chOff x="3470440" y="2201543"/>
+                <a:chExt cx="1438780" cy="1528912"/>
               </a:xfrm>
-              <a:prstGeom prst="rect">
-                <a:avLst/>
-              </a:prstGeom>
-              <a:noFill/>
-            </p:spPr>
-            <p:txBody>
-              <a:bodyPr wrap="none" rtlCol="0">
-                <a:spAutoFit/>
-              </a:bodyPr>
-              <a:lstStyle/>
-              <a:p>
-                <a:pPr algn="ctr"/>
-                <a:r>
-                  <a:rPr lang="en-US" sz="1200" dirty="0" smtClean="0"/>
-                  <a:t>F</a:t>
-                </a:r>
-                <a:endParaRPr lang="en-US" sz="1200" dirty="0"/>
-              </a:p>
-            </p:txBody>
-          </p:sp>
-        </p:grpSp>
-        <p:cxnSp>
-          <p:nvCxnSpPr>
-            <p:cNvPr id="168" name="Straight Arrow Connector 167"/>
-            <p:cNvCxnSpPr>
-              <a:stCxn id="157" idx="0"/>
-              <a:endCxn id="163" idx="4"/>
-            </p:cNvCxnSpPr>
-            <p:nvPr/>
-          </p:nvCxnSpPr>
-          <p:spPr>
-            <a:xfrm flipH="1" flipV="1">
-              <a:off x="4982520" y="2371016"/>
-              <a:ext cx="605" cy="323523"/>
-            </a:xfrm>
-            <a:prstGeom prst="straightConnector1">
-              <a:avLst/>
-            </a:prstGeom>
-            <a:ln>
-              <a:solidFill>
-                <a:schemeClr val="tx1"/>
-              </a:solidFill>
-              <a:tailEnd type="stealth"/>
-            </a:ln>
-          </p:spPr>
-          <p:style>
-            <a:lnRef idx="1">
-              <a:schemeClr val="accent1"/>
-            </a:lnRef>
-            <a:fillRef idx="0">
-              <a:schemeClr val="accent1"/>
-            </a:fillRef>
-            <a:effectRef idx="0">
-              <a:schemeClr val="accent1"/>
-            </a:effectRef>
-            <a:fontRef idx="minor">
-              <a:schemeClr val="tx1"/>
-            </a:fontRef>
-          </p:style>
-        </p:cxnSp>
-        <p:cxnSp>
-          <p:nvCxnSpPr>
-            <p:cNvPr id="169" name="Straight Arrow Connector 168"/>
-            <p:cNvCxnSpPr>
-              <a:stCxn id="157" idx="7"/>
-              <a:endCxn id="166" idx="3"/>
-            </p:cNvCxnSpPr>
-            <p:nvPr/>
-          </p:nvCxnSpPr>
-          <p:spPr>
-            <a:xfrm flipV="1">
-              <a:off x="5191523" y="2288814"/>
-              <a:ext cx="333307" cy="487928"/>
-            </a:xfrm>
-            <a:prstGeom prst="straightConnector1">
-              <a:avLst/>
-            </a:prstGeom>
-            <a:ln>
-              <a:solidFill>
-                <a:schemeClr val="tx1"/>
-              </a:solidFill>
-              <a:tailEnd type="stealth"/>
-            </a:ln>
-          </p:spPr>
-          <p:style>
-            <a:lnRef idx="1">
-              <a:schemeClr val="accent1"/>
-            </a:lnRef>
-            <a:fillRef idx="0">
-              <a:schemeClr val="accent1"/>
-            </a:fillRef>
-            <a:effectRef idx="0">
-              <a:schemeClr val="accent1"/>
-            </a:effectRef>
-            <a:fontRef idx="minor">
-              <a:schemeClr val="tx1"/>
-            </a:fontRef>
-          </p:style>
-        </p:cxnSp>
-        <p:cxnSp>
-          <p:nvCxnSpPr>
-            <p:cNvPr id="170" name="Straight Arrow Connector 169"/>
-            <p:cNvCxnSpPr>
-              <a:stCxn id="160" idx="0"/>
-              <a:endCxn id="166" idx="4"/>
-            </p:cNvCxnSpPr>
-            <p:nvPr/>
-          </p:nvCxnSpPr>
-          <p:spPr>
-            <a:xfrm flipH="1" flipV="1">
-              <a:off x="5733229" y="2371017"/>
-              <a:ext cx="605" cy="323523"/>
-            </a:xfrm>
-            <a:prstGeom prst="straightConnector1">
-              <a:avLst/>
-            </a:prstGeom>
-            <a:ln>
-              <a:solidFill>
-                <a:schemeClr val="tx1"/>
-              </a:solidFill>
-              <a:tailEnd type="stealth"/>
-            </a:ln>
-          </p:spPr>
-          <p:style>
-            <a:lnRef idx="1">
-              <a:schemeClr val="accent1"/>
-            </a:lnRef>
-            <a:fillRef idx="0">
-              <a:schemeClr val="accent1"/>
-            </a:fillRef>
-            <a:effectRef idx="0">
-              <a:schemeClr val="accent1"/>
-            </a:effectRef>
-            <a:fontRef idx="minor">
-              <a:schemeClr val="tx1"/>
-            </a:fontRef>
-          </p:style>
-        </p:cxnSp>
-        <p:cxnSp>
-          <p:nvCxnSpPr>
-            <p:cNvPr id="171" name="Straight Arrow Connector 170"/>
-            <p:cNvCxnSpPr>
-              <a:stCxn id="160" idx="1"/>
-              <a:endCxn id="163" idx="5"/>
-            </p:cNvCxnSpPr>
-            <p:nvPr/>
-          </p:nvCxnSpPr>
-          <p:spPr>
-            <a:xfrm flipH="1" flipV="1">
-              <a:off x="5190918" y="2288813"/>
-              <a:ext cx="334517" cy="487930"/>
-            </a:xfrm>
-            <a:prstGeom prst="straightConnector1">
-              <a:avLst/>
-            </a:prstGeom>
-            <a:ln>
-              <a:solidFill>
-                <a:schemeClr val="tx1"/>
-              </a:solidFill>
-              <a:tailEnd type="stealth"/>
-            </a:ln>
-          </p:spPr>
-          <p:style>
-            <a:lnRef idx="1">
-              <a:schemeClr val="accent1"/>
-            </a:lnRef>
-            <a:fillRef idx="0">
-              <a:schemeClr val="accent1"/>
-            </a:fillRef>
-            <a:effectRef idx="0">
-              <a:schemeClr val="accent1"/>
-            </a:effectRef>
-            <a:fontRef idx="minor">
-              <a:schemeClr val="tx1"/>
-            </a:fontRef>
-          </p:style>
-        </p:cxnSp>
-        <p:cxnSp>
-          <p:nvCxnSpPr>
-            <p:cNvPr id="172" name="Straight Arrow Connector 171"/>
-            <p:cNvCxnSpPr>
-              <a:stCxn id="123" idx="2"/>
-              <a:endCxn id="157" idx="4"/>
-            </p:cNvCxnSpPr>
-            <p:nvPr/>
-          </p:nvCxnSpPr>
-          <p:spPr>
-            <a:xfrm flipH="1" flipV="1">
-              <a:off x="4983125" y="3255853"/>
-              <a:ext cx="1197192" cy="796069"/>
-            </a:xfrm>
-            <a:prstGeom prst="straightConnector1">
-              <a:avLst/>
-            </a:prstGeom>
-            <a:ln>
-              <a:solidFill>
-                <a:schemeClr val="tx1"/>
-              </a:solidFill>
-              <a:tailEnd type="stealth"/>
-            </a:ln>
-          </p:spPr>
-          <p:style>
-            <a:lnRef idx="1">
-              <a:schemeClr val="accent1"/>
-            </a:lnRef>
-            <a:fillRef idx="0">
-              <a:schemeClr val="accent1"/>
-            </a:fillRef>
-            <a:effectRef idx="0">
-              <a:schemeClr val="accent1"/>
-            </a:effectRef>
-            <a:fontRef idx="minor">
-              <a:schemeClr val="tx1"/>
-            </a:fontRef>
-          </p:style>
-        </p:cxnSp>
-        <p:cxnSp>
-          <p:nvCxnSpPr>
-            <p:cNvPr id="174" name="Straight Arrow Connector 173"/>
-            <p:cNvCxnSpPr>
-              <a:stCxn id="123" idx="1"/>
-              <a:endCxn id="160" idx="4"/>
-            </p:cNvCxnSpPr>
-            <p:nvPr/>
-          </p:nvCxnSpPr>
-          <p:spPr>
-            <a:xfrm flipH="1" flipV="1">
-              <a:off x="5733834" y="3255854"/>
-              <a:ext cx="532805" cy="597614"/>
-            </a:xfrm>
-            <a:prstGeom prst="straightConnector1">
-              <a:avLst/>
-            </a:prstGeom>
-            <a:ln>
-              <a:solidFill>
-                <a:schemeClr val="tx1"/>
-              </a:solidFill>
-              <a:tailEnd type="stealth"/>
-            </a:ln>
-          </p:spPr>
-          <p:style>
-            <a:lnRef idx="1">
-              <a:schemeClr val="accent1"/>
-            </a:lnRef>
-            <a:fillRef idx="0">
-              <a:schemeClr val="accent1"/>
-            </a:fillRef>
-            <a:effectRef idx="0">
-              <a:schemeClr val="accent1"/>
-            </a:effectRef>
-            <a:fontRef idx="minor">
-              <a:schemeClr val="tx1"/>
-            </a:fontRef>
-          </p:style>
-        </p:cxnSp>
-        <p:cxnSp>
-          <p:nvCxnSpPr>
-            <p:cNvPr id="177" name="Straight Arrow Connector 176"/>
-            <p:cNvCxnSpPr>
-              <a:stCxn id="151" idx="1"/>
-              <a:endCxn id="160" idx="5"/>
-            </p:cNvCxnSpPr>
-            <p:nvPr/>
-          </p:nvCxnSpPr>
-          <p:spPr>
-            <a:xfrm flipH="1" flipV="1">
-              <a:off x="5942232" y="3173651"/>
-              <a:ext cx="1167915" cy="695412"/>
-            </a:xfrm>
-            <a:prstGeom prst="straightConnector1">
-              <a:avLst/>
-            </a:prstGeom>
-            <a:ln>
-              <a:solidFill>
-                <a:schemeClr val="tx1"/>
-              </a:solidFill>
-              <a:tailEnd type="stealth"/>
-            </a:ln>
-          </p:spPr>
-          <p:style>
-            <a:lnRef idx="1">
-              <a:schemeClr val="accent1"/>
-            </a:lnRef>
-            <a:fillRef idx="0">
-              <a:schemeClr val="accent1"/>
-            </a:fillRef>
-            <a:effectRef idx="0">
-              <a:schemeClr val="accent1"/>
-            </a:effectRef>
-            <a:fontRef idx="minor">
-              <a:schemeClr val="tx1"/>
-            </a:fontRef>
-          </p:style>
-        </p:cxnSp>
-        <p:cxnSp>
-          <p:nvCxnSpPr>
-            <p:cNvPr id="180" name="Straight Arrow Connector 179"/>
-            <p:cNvCxnSpPr>
-              <a:stCxn id="151" idx="1"/>
-              <a:endCxn id="157" idx="5"/>
-            </p:cNvCxnSpPr>
-            <p:nvPr/>
-          </p:nvCxnSpPr>
-          <p:spPr>
-            <a:xfrm flipH="1" flipV="1">
-              <a:off x="5191523" y="3173650"/>
-              <a:ext cx="1918624" cy="695413"/>
-            </a:xfrm>
-            <a:prstGeom prst="straightConnector1">
-              <a:avLst/>
-            </a:prstGeom>
-            <a:ln>
-              <a:solidFill>
-                <a:schemeClr val="tx1"/>
-              </a:solidFill>
-              <a:tailEnd type="stealth"/>
-            </a:ln>
-          </p:spPr>
-          <p:style>
-            <a:lnRef idx="1">
-              <a:schemeClr val="accent1"/>
-            </a:lnRef>
-            <a:fillRef idx="0">
-              <a:schemeClr val="accent1"/>
-            </a:fillRef>
-            <a:effectRef idx="0">
-              <a:schemeClr val="accent1"/>
-            </a:effectRef>
-            <a:fontRef idx="minor">
-              <a:schemeClr val="tx1"/>
-            </a:fontRef>
-          </p:style>
-        </p:cxnSp>
-        <p:cxnSp>
-          <p:nvCxnSpPr>
-            <p:cNvPr id="185" name="Straight Arrow Connector 184"/>
-            <p:cNvCxnSpPr>
-              <a:stCxn id="123" idx="4"/>
-            </p:cNvCxnSpPr>
-            <p:nvPr/>
-          </p:nvCxnSpPr>
-          <p:spPr>
-            <a:xfrm flipH="1">
-              <a:off x="6472019" y="4332579"/>
-              <a:ext cx="3019" cy="282528"/>
-            </a:xfrm>
-            <a:prstGeom prst="straightConnector1">
-              <a:avLst/>
-            </a:prstGeom>
-            <a:ln>
-              <a:solidFill>
-                <a:schemeClr val="tx1"/>
-              </a:solidFill>
-              <a:tailEnd type="stealth"/>
-            </a:ln>
-          </p:spPr>
-          <p:style>
-            <a:lnRef idx="1">
-              <a:schemeClr val="accent1"/>
-            </a:lnRef>
-            <a:fillRef idx="0">
-              <a:schemeClr val="accent1"/>
-            </a:fillRef>
-            <a:effectRef idx="0">
-              <a:schemeClr val="accent1"/>
-            </a:effectRef>
-            <a:fontRef idx="minor">
-              <a:schemeClr val="tx1"/>
-            </a:fontRef>
-          </p:style>
-        </p:cxnSp>
-        <p:cxnSp>
-          <p:nvCxnSpPr>
-            <p:cNvPr id="188" name="Straight Arrow Connector 187"/>
-            <p:cNvCxnSpPr/>
-            <p:nvPr/>
-          </p:nvCxnSpPr>
-          <p:spPr>
-            <a:xfrm flipH="1">
-              <a:off x="7318545" y="4346517"/>
-              <a:ext cx="3019" cy="282528"/>
-            </a:xfrm>
-            <a:prstGeom prst="straightConnector1">
-              <a:avLst/>
-            </a:prstGeom>
-            <a:ln>
-              <a:solidFill>
-                <a:schemeClr val="tx1"/>
-              </a:solidFill>
-              <a:tailEnd type="stealth"/>
-            </a:ln>
-          </p:spPr>
-          <p:style>
-            <a:lnRef idx="1">
-              <a:schemeClr val="accent1"/>
-            </a:lnRef>
-            <a:fillRef idx="0">
-              <a:schemeClr val="accent1"/>
-            </a:fillRef>
-            <a:effectRef idx="0">
-              <a:schemeClr val="accent1"/>
-            </a:effectRef>
-            <a:fontRef idx="minor">
-              <a:schemeClr val="tx1"/>
-            </a:fontRef>
-          </p:style>
-        </p:cxnSp>
-        <mc:AlternateContent xmlns:mc="http://schemas.openxmlformats.org/markup-compatibility/2006">
-          <mc:Choice xmlns:a14="http://schemas.microsoft.com/office/drawing/2010/main" Requires="a14">
+            </p:grpSpPr>
+            <p:grpSp>
+              <p:nvGrpSpPr>
+                <p:cNvPr id="179" name="Group 178"/>
+                <p:cNvGrpSpPr/>
+                <p:nvPr/>
+              </p:nvGrpSpPr>
+              <p:grpSpPr>
+                <a:xfrm>
+                  <a:off x="3607315" y="2364829"/>
+                  <a:ext cx="1144481" cy="938289"/>
+                  <a:chOff x="3181417" y="3788229"/>
+                  <a:chExt cx="1872343" cy="1785257"/>
+                </a:xfrm>
+              </p:grpSpPr>
+              <p:grpSp>
+                <p:nvGrpSpPr>
+                  <p:cNvPr id="184" name="Group 183"/>
+                  <p:cNvGrpSpPr/>
+                  <p:nvPr/>
+                </p:nvGrpSpPr>
+                <p:grpSpPr>
+                  <a:xfrm>
+                    <a:off x="3181417" y="3788229"/>
+                    <a:ext cx="1872343" cy="1785257"/>
+                    <a:chOff x="3181417" y="3788229"/>
+                    <a:chExt cx="1872343" cy="1785257"/>
+                  </a:xfrm>
+                </p:grpSpPr>
+                <p:sp>
+                  <p:nvSpPr>
+                    <p:cNvPr id="191" name="Rectangle 190"/>
+                    <p:cNvSpPr/>
+                    <p:nvPr/>
+                  </p:nvSpPr>
+                  <p:spPr>
+                    <a:xfrm>
+                      <a:off x="3181417" y="4953000"/>
+                      <a:ext cx="631372" cy="620486"/>
+                    </a:xfrm>
+                    <a:prstGeom prst="rect">
+                      <a:avLst/>
+                    </a:prstGeom>
+                    <a:solidFill>
+                      <a:schemeClr val="bg2">
+                        <a:lumMod val="90000"/>
+                      </a:schemeClr>
+                    </a:solidFill>
+                    <a:ln>
+                      <a:solidFill>
+                        <a:schemeClr val="tx1"/>
+                      </a:solidFill>
+                    </a:ln>
+                  </p:spPr>
+                  <p:style>
+                    <a:lnRef idx="2">
+                      <a:schemeClr val="accent1">
+                        <a:shade val="50000"/>
+                      </a:schemeClr>
+                    </a:lnRef>
+                    <a:fillRef idx="1">
+                      <a:schemeClr val="accent1"/>
+                    </a:fillRef>
+                    <a:effectRef idx="0">
+                      <a:schemeClr val="accent1"/>
+                    </a:effectRef>
+                    <a:fontRef idx="minor">
+                      <a:schemeClr val="lt1"/>
+                    </a:fontRef>
+                  </p:style>
+                  <p:txBody>
+                    <a:bodyPr rtlCol="0" anchor="ctr"/>
+                    <a:lstStyle/>
+                    <a:p>
+                      <a:pPr algn="ctr"/>
+                      <a:r>
+                        <a:rPr lang="en-US" sz="2400" dirty="0" smtClean="0">
+                          <a:solidFill>
+                            <a:schemeClr val="tx1"/>
+                          </a:solidFill>
+                        </a:rPr>
+                        <a:t>A</a:t>
+                      </a:r>
+                      <a:endParaRPr lang="en-US" sz="2400" dirty="0">
+                        <a:solidFill>
+                          <a:schemeClr val="tx1"/>
+                        </a:solidFill>
+                      </a:endParaRPr>
+                    </a:p>
+                  </p:txBody>
+                </p:sp>
+                <p:sp>
+                  <p:nvSpPr>
+                    <p:cNvPr id="194" name="Rectangle 193"/>
+                    <p:cNvSpPr/>
+                    <p:nvPr/>
+                  </p:nvSpPr>
+                  <p:spPr>
+                    <a:xfrm>
+                      <a:off x="4422388" y="4953000"/>
+                      <a:ext cx="631372" cy="620486"/>
+                    </a:xfrm>
+                    <a:prstGeom prst="rect">
+                      <a:avLst/>
+                    </a:prstGeom>
+                    <a:solidFill>
+                      <a:schemeClr val="bg2">
+                        <a:lumMod val="90000"/>
+                      </a:schemeClr>
+                    </a:solidFill>
+                    <a:ln>
+                      <a:solidFill>
+                        <a:schemeClr val="tx1"/>
+                      </a:solidFill>
+                    </a:ln>
+                  </p:spPr>
+                  <p:style>
+                    <a:lnRef idx="2">
+                      <a:schemeClr val="accent1">
+                        <a:shade val="50000"/>
+                      </a:schemeClr>
+                    </a:lnRef>
+                    <a:fillRef idx="1">
+                      <a:schemeClr val="accent1"/>
+                    </a:fillRef>
+                    <a:effectRef idx="0">
+                      <a:schemeClr val="accent1"/>
+                    </a:effectRef>
+                    <a:fontRef idx="minor">
+                      <a:schemeClr val="lt1"/>
+                    </a:fontRef>
+                  </p:style>
+                  <p:txBody>
+                    <a:bodyPr rtlCol="0" anchor="ctr"/>
+                    <a:lstStyle/>
+                    <a:p>
+                      <a:pPr algn="ctr"/>
+                      <a:r>
+                        <a:rPr lang="en-US" sz="2400" dirty="0" smtClean="0">
+                          <a:solidFill>
+                            <a:schemeClr val="tx1"/>
+                          </a:solidFill>
+                        </a:rPr>
+                        <a:t>B</a:t>
+                      </a:r>
+                      <a:endParaRPr lang="en-US" sz="2400" dirty="0">
+                        <a:solidFill>
+                          <a:schemeClr val="tx1"/>
+                        </a:solidFill>
+                      </a:endParaRPr>
+                    </a:p>
+                  </p:txBody>
+                </p:sp>
+                <p:sp>
+                  <p:nvSpPr>
+                    <p:cNvPr id="196" name="Rectangle 195"/>
+                    <p:cNvSpPr/>
+                    <p:nvPr/>
+                  </p:nvSpPr>
+                  <p:spPr>
+                    <a:xfrm>
+                      <a:off x="3181417" y="3788229"/>
+                      <a:ext cx="631372" cy="620486"/>
+                    </a:xfrm>
+                    <a:prstGeom prst="rect">
+                      <a:avLst/>
+                    </a:prstGeom>
+                    <a:solidFill>
+                      <a:schemeClr val="bg2">
+                        <a:lumMod val="90000"/>
+                      </a:schemeClr>
+                    </a:solidFill>
+                    <a:ln>
+                      <a:solidFill>
+                        <a:schemeClr val="tx1"/>
+                      </a:solidFill>
+                    </a:ln>
+                  </p:spPr>
+                  <p:style>
+                    <a:lnRef idx="2">
+                      <a:schemeClr val="accent1">
+                        <a:shade val="50000"/>
+                      </a:schemeClr>
+                    </a:lnRef>
+                    <a:fillRef idx="1">
+                      <a:schemeClr val="accent1"/>
+                    </a:fillRef>
+                    <a:effectRef idx="0">
+                      <a:schemeClr val="accent1"/>
+                    </a:effectRef>
+                    <a:fontRef idx="minor">
+                      <a:schemeClr val="lt1"/>
+                    </a:fontRef>
+                  </p:style>
+                  <p:txBody>
+                    <a:bodyPr rtlCol="0" anchor="ctr"/>
+                    <a:lstStyle/>
+                    <a:p>
+                      <a:pPr algn="ctr"/>
+                      <a:r>
+                        <a:rPr lang="en-US" sz="2400" dirty="0" smtClean="0">
+                          <a:solidFill>
+                            <a:schemeClr val="tx1"/>
+                          </a:solidFill>
+                        </a:rPr>
+                        <a:t>C</a:t>
+                      </a:r>
+                      <a:endParaRPr lang="en-US" sz="2400" dirty="0">
+                        <a:solidFill>
+                          <a:schemeClr val="tx1"/>
+                        </a:solidFill>
+                      </a:endParaRPr>
+                    </a:p>
+                  </p:txBody>
+                </p:sp>
+                <p:sp>
+                  <p:nvSpPr>
+                    <p:cNvPr id="197" name="Rectangle 196"/>
+                    <p:cNvSpPr/>
+                    <p:nvPr/>
+                  </p:nvSpPr>
+                  <p:spPr>
+                    <a:xfrm>
+                      <a:off x="4422388" y="3788229"/>
+                      <a:ext cx="631372" cy="620486"/>
+                    </a:xfrm>
+                    <a:prstGeom prst="rect">
+                      <a:avLst/>
+                    </a:prstGeom>
+                    <a:solidFill>
+                      <a:schemeClr val="bg2">
+                        <a:lumMod val="90000"/>
+                      </a:schemeClr>
+                    </a:solidFill>
+                    <a:ln>
+                      <a:solidFill>
+                        <a:schemeClr val="tx1"/>
+                      </a:solidFill>
+                    </a:ln>
+                  </p:spPr>
+                  <p:style>
+                    <a:lnRef idx="2">
+                      <a:schemeClr val="accent1">
+                        <a:shade val="50000"/>
+                      </a:schemeClr>
+                    </a:lnRef>
+                    <a:fillRef idx="1">
+                      <a:schemeClr val="accent1"/>
+                    </a:fillRef>
+                    <a:effectRef idx="0">
+                      <a:schemeClr val="accent1"/>
+                    </a:effectRef>
+                    <a:fontRef idx="minor">
+                      <a:schemeClr val="lt1"/>
+                    </a:fontRef>
+                  </p:style>
+                  <p:txBody>
+                    <a:bodyPr rtlCol="0" anchor="ctr"/>
+                    <a:lstStyle/>
+                    <a:p>
+                      <a:pPr algn="ctr"/>
+                      <a:r>
+                        <a:rPr lang="en-US" sz="2400" dirty="0" smtClean="0">
+                          <a:solidFill>
+                            <a:schemeClr val="tx1"/>
+                          </a:solidFill>
+                        </a:rPr>
+                        <a:t>D</a:t>
+                      </a:r>
+                      <a:endParaRPr lang="en-US" sz="2400" dirty="0">
+                        <a:solidFill>
+                          <a:schemeClr val="tx1"/>
+                        </a:solidFill>
+                      </a:endParaRPr>
+                    </a:p>
+                  </p:txBody>
+                </p:sp>
+              </p:grpSp>
+              <p:cxnSp>
+                <p:nvCxnSpPr>
+                  <p:cNvPr id="186" name="Straight Connector 185"/>
+                  <p:cNvCxnSpPr>
+                    <a:endCxn id="96" idx="0"/>
+                  </p:cNvCxnSpPr>
+                  <p:nvPr/>
+                </p:nvCxnSpPr>
+                <p:spPr>
+                  <a:xfrm>
+                    <a:off x="3478203" y="4323605"/>
+                    <a:ext cx="0" cy="544284"/>
+                  </a:xfrm>
+                  <a:prstGeom prst="line">
+                    <a:avLst/>
+                  </a:prstGeom>
+                  <a:ln w="19050">
+                    <a:solidFill>
+                      <a:schemeClr val="tx1"/>
+                    </a:solidFill>
+                  </a:ln>
+                </p:spPr>
+                <p:style>
+                  <a:lnRef idx="1">
+                    <a:schemeClr val="accent1"/>
+                  </a:lnRef>
+                  <a:fillRef idx="0">
+                    <a:schemeClr val="accent1"/>
+                  </a:fillRef>
+                  <a:effectRef idx="0">
+                    <a:schemeClr val="accent1"/>
+                  </a:effectRef>
+                  <a:fontRef idx="minor">
+                    <a:schemeClr val="tx1"/>
+                  </a:fontRef>
+                </p:style>
+              </p:cxnSp>
+              <p:cxnSp>
+                <p:nvCxnSpPr>
+                  <p:cNvPr id="187" name="Straight Connector 186"/>
+                  <p:cNvCxnSpPr/>
+                  <p:nvPr/>
+                </p:nvCxnSpPr>
+                <p:spPr>
+                  <a:xfrm>
+                    <a:off x="4738074" y="4408715"/>
+                    <a:ext cx="0" cy="544285"/>
+                  </a:xfrm>
+                  <a:prstGeom prst="line">
+                    <a:avLst/>
+                  </a:prstGeom>
+                  <a:ln w="19050">
+                    <a:solidFill>
+                      <a:schemeClr val="tx1"/>
+                    </a:solidFill>
+                  </a:ln>
+                </p:spPr>
+                <p:style>
+                  <a:lnRef idx="1">
+                    <a:schemeClr val="accent1"/>
+                  </a:lnRef>
+                  <a:fillRef idx="0">
+                    <a:schemeClr val="accent1"/>
+                  </a:fillRef>
+                  <a:effectRef idx="0">
+                    <a:schemeClr val="accent1"/>
+                  </a:effectRef>
+                  <a:fontRef idx="minor">
+                    <a:schemeClr val="tx1"/>
+                  </a:fontRef>
+                </p:style>
+              </p:cxnSp>
+              <p:cxnSp>
+                <p:nvCxnSpPr>
+                  <p:cNvPr id="189" name="Straight Connector 188"/>
+                  <p:cNvCxnSpPr/>
+                  <p:nvPr/>
+                </p:nvCxnSpPr>
+                <p:spPr>
+                  <a:xfrm flipH="1">
+                    <a:off x="3812789" y="4419601"/>
+                    <a:ext cx="615043" cy="533398"/>
+                  </a:xfrm>
+                  <a:prstGeom prst="line">
+                    <a:avLst/>
+                  </a:prstGeom>
+                  <a:ln w="19050">
+                    <a:solidFill>
+                      <a:schemeClr val="tx1"/>
+                    </a:solidFill>
+                  </a:ln>
+                </p:spPr>
+                <p:style>
+                  <a:lnRef idx="1">
+                    <a:schemeClr val="accent1"/>
+                  </a:lnRef>
+                  <a:fillRef idx="0">
+                    <a:schemeClr val="accent1"/>
+                  </a:fillRef>
+                  <a:effectRef idx="0">
+                    <a:schemeClr val="accent1"/>
+                  </a:effectRef>
+                  <a:fontRef idx="minor">
+                    <a:schemeClr val="tx1"/>
+                  </a:fontRef>
+                </p:style>
+              </p:cxnSp>
+              <p:cxnSp>
+                <p:nvCxnSpPr>
+                  <p:cNvPr id="190" name="Straight Connector 189"/>
+                  <p:cNvCxnSpPr/>
+                  <p:nvPr/>
+                </p:nvCxnSpPr>
+                <p:spPr>
+                  <a:xfrm>
+                    <a:off x="3812789" y="4419601"/>
+                    <a:ext cx="609599" cy="544285"/>
+                  </a:xfrm>
+                  <a:prstGeom prst="line">
+                    <a:avLst/>
+                  </a:prstGeom>
+                  <a:ln w="19050">
+                    <a:solidFill>
+                      <a:schemeClr val="tx1"/>
+                    </a:solidFill>
+                  </a:ln>
+                </p:spPr>
+                <p:style>
+                  <a:lnRef idx="1">
+                    <a:schemeClr val="accent1"/>
+                  </a:lnRef>
+                  <a:fillRef idx="0">
+                    <a:schemeClr val="accent1"/>
+                  </a:fillRef>
+                  <a:effectRef idx="0">
+                    <a:schemeClr val="accent1"/>
+                  </a:effectRef>
+                  <a:fontRef idx="minor">
+                    <a:schemeClr val="tx1"/>
+                  </a:fontRef>
+                </p:style>
+              </p:cxnSp>
+            </p:grpSp>
             <p:sp>
               <p:nvSpPr>
-                <p:cNvPr id="190" name="TextBox 189"/>
+                <p:cNvPr id="181" name="TextBox 180"/>
                 <p:cNvSpPr txBox="1"/>
                 <p:nvPr/>
               </p:nvSpPr>
               <p:spPr>
                 <a:xfrm>
-                  <a:off x="6000236" y="4266414"/>
-                  <a:ext cx="292516" cy="299569"/>
+                  <a:off x="3470440" y="3266653"/>
+                  <a:ext cx="698874" cy="461665"/>
                 </a:xfrm>
                 <a:prstGeom prst="rect">
                   <a:avLst/>
@@ -6281,173 +5631,716 @@
                 <a:noFill/>
               </p:spPr>
               <p:txBody>
-                <a:bodyPr wrap="none" lIns="0" tIns="0" rIns="0" bIns="0" rtlCol="0">
+                <a:bodyPr wrap="square" rtlCol="0">
                   <a:spAutoFit/>
                 </a:bodyPr>
                 <a:lstStyle/>
                 <a:p>
-                  <a14:m>
-                    <m:oMathPara xmlns:m="http://schemas.openxmlformats.org/officeDocument/2006/math">
-                      <m:oMathParaPr>
-                        <m:jc m:val="centerGroup"/>
-                      </m:oMathParaPr>
-                      <m:oMath xmlns:m="http://schemas.openxmlformats.org/officeDocument/2006/math">
-                        <m:sSubSup>
-                          <m:sSubSupPr>
-                            <m:ctrlPr>
-                              <a:rPr lang="en-US" b="0" i="1" smtClean="0">
-                                <a:latin typeface="Cambria Math" panose="02040503050406030204" pitchFamily="18" charset="0"/>
-                              </a:rPr>
-                            </m:ctrlPr>
-                          </m:sSubSupPr>
-                          <m:e>
-                            <m:r>
-                              <a:rPr lang="en-US" b="0" i="1" smtClean="0">
-                                <a:latin typeface="Cambria Math" panose="02040503050406030204" pitchFamily="18" charset="0"/>
-                              </a:rPr>
-                              <m:t>𝑃</m:t>
-                            </m:r>
-                          </m:e>
-                          <m:sub>
-                            <m:r>
-                              <a:rPr lang="en-US" b="0" i="1" smtClean="0">
-                                <a:latin typeface="Cambria Math" panose="02040503050406030204" pitchFamily="18" charset="0"/>
-                              </a:rPr>
-                              <m:t>𝑔</m:t>
-                            </m:r>
-                          </m:sub>
-                          <m:sup>
-                            <m:r>
-                              <a:rPr lang="en-US" b="0" i="1" smtClean="0">
-                                <a:latin typeface="Cambria Math" panose="02040503050406030204" pitchFamily="18" charset="0"/>
-                              </a:rPr>
-                              <m:t>∗</m:t>
-                            </m:r>
-                          </m:sup>
-                        </m:sSubSup>
-                      </m:oMath>
-                    </m:oMathPara>
-                  </a14:m>
-                  <a:endParaRPr lang="en-US" dirty="0"/>
+                  <a:pPr algn="ctr"/>
+                  <a:r>
+                    <a:rPr lang="en-US" sz="2400" smtClean="0"/>
+                    <a:t>PG1</a:t>
+                  </a:r>
+                  <a:endParaRPr lang="en-US" sz="2400" baseline="-25000" dirty="0"/>
                 </a:p>
               </p:txBody>
             </p:sp>
-          </mc:Choice>
-          <mc:Fallback>
             <p:sp>
               <p:nvSpPr>
-                <p:cNvPr id="190" name="TextBox 189"/>
-                <p:cNvSpPr txBox="1">
-                  <a:spLocks noRot="1" noChangeAspect="1" noMove="1" noResize="1" noEditPoints="1" noAdjustHandles="1" noChangeArrowheads="1" noChangeShapeType="1" noTextEdit="1"/>
-                </p:cNvSpPr>
+                <p:cNvPr id="182" name="TextBox 181"/>
+                <p:cNvSpPr txBox="1"/>
                 <p:nvPr/>
               </p:nvSpPr>
               <p:spPr>
                 <a:xfrm>
-                  <a:off x="6000236" y="4266414"/>
-                  <a:ext cx="292516" cy="299569"/>
+                  <a:off x="4206099" y="3268790"/>
+                  <a:ext cx="703121" cy="461665"/>
                 </a:xfrm>
                 <a:prstGeom prst="rect">
                   <a:avLst/>
                 </a:prstGeom>
-                <a:blipFill rotWithShape="0">
-                  <a:blip r:embed="rId2"/>
-                  <a:stretch>
-                    <a:fillRect l="-20833" r="-4167" b="-22000"/>
-                  </a:stretch>
-                </a:blipFill>
+                <a:noFill/>
               </p:spPr>
               <p:txBody>
-                <a:bodyPr/>
+                <a:bodyPr wrap="square" rtlCol="0">
+                  <a:spAutoFit/>
+                </a:bodyPr>
                 <a:lstStyle/>
                 <a:p>
+                  <a:pPr algn="ctr"/>
                   <a:r>
-                    <a:rPr lang="en-US">
-                      <a:noFill/>
-                    </a:rPr>
-                    <a:t> </a:t>
+                    <a:rPr lang="en-US" sz="2400" smtClean="0"/>
+                    <a:t>PG2</a:t>
                   </a:r>
+                  <a:endParaRPr lang="en-US" sz="2400" baseline="-25000" dirty="0"/>
                 </a:p>
               </p:txBody>
             </p:sp>
-          </mc:Fallback>
-        </mc:AlternateContent>
-        <p:cxnSp>
-          <p:nvCxnSpPr>
-            <p:cNvPr id="192" name="Straight Arrow Connector 191"/>
-            <p:cNvCxnSpPr/>
-            <p:nvPr/>
-          </p:nvCxnSpPr>
-          <p:spPr>
-            <a:xfrm flipH="1">
-              <a:off x="6683436" y="3185490"/>
-              <a:ext cx="431790" cy="667978"/>
-            </a:xfrm>
-            <a:prstGeom prst="straightConnector1">
-              <a:avLst/>
-            </a:prstGeom>
-            <a:ln w="28575">
-              <a:solidFill>
-                <a:schemeClr val="accent6">
-                  <a:lumMod val="75000"/>
-                </a:schemeClr>
-              </a:solidFill>
-              <a:tailEnd type="stealth"/>
-            </a:ln>
-          </p:spPr>
-          <p:style>
-            <a:lnRef idx="1">
-              <a:schemeClr val="accent1"/>
-            </a:lnRef>
-            <a:fillRef idx="0">
-              <a:schemeClr val="accent1"/>
-            </a:fillRef>
-            <a:effectRef idx="0">
-              <a:schemeClr val="accent1"/>
-            </a:effectRef>
-            <a:fontRef idx="minor">
-              <a:schemeClr val="tx1"/>
-            </a:fontRef>
-          </p:style>
-        </p:cxnSp>
-        <p:cxnSp>
-          <p:nvCxnSpPr>
-            <p:cNvPr id="193" name="Straight Arrow Connector 192"/>
-            <p:cNvCxnSpPr/>
-            <p:nvPr/>
-          </p:nvCxnSpPr>
-          <p:spPr>
-            <a:xfrm>
-              <a:off x="6475038" y="3257204"/>
-              <a:ext cx="0" cy="514061"/>
-            </a:xfrm>
-            <a:prstGeom prst="straightConnector1">
-              <a:avLst/>
-            </a:prstGeom>
-            <a:ln w="28575">
-              <a:solidFill>
-                <a:schemeClr val="accent1">
-                  <a:lumMod val="75000"/>
-                </a:schemeClr>
-              </a:solidFill>
-              <a:tailEnd type="stealth"/>
-            </a:ln>
-          </p:spPr>
-          <p:style>
-            <a:lnRef idx="1">
-              <a:schemeClr val="accent1"/>
-            </a:lnRef>
-            <a:fillRef idx="0">
-              <a:schemeClr val="accent1"/>
-            </a:fillRef>
-            <a:effectRef idx="0">
-              <a:schemeClr val="accent1"/>
-            </a:effectRef>
-            <a:fontRef idx="minor">
-              <a:schemeClr val="tx1"/>
-            </a:fontRef>
-          </p:style>
-        </p:cxnSp>
+            <p:sp>
+              <p:nvSpPr>
+                <p:cNvPr id="183" name="Rectangle 182"/>
+                <p:cNvSpPr/>
+                <p:nvPr/>
+              </p:nvSpPr>
+              <p:spPr>
+                <a:xfrm>
+                  <a:off x="3494225" y="2201543"/>
+                  <a:ext cx="1350705" cy="1528912"/>
+                </a:xfrm>
+                <a:prstGeom prst="rect">
+                  <a:avLst/>
+                </a:prstGeom>
+                <a:noFill/>
+                <a:ln>
+                  <a:solidFill>
+                    <a:schemeClr val="tx1"/>
+                  </a:solidFill>
+                  <a:prstDash val="dashDot"/>
+                </a:ln>
+              </p:spPr>
+              <p:style>
+                <a:lnRef idx="2">
+                  <a:schemeClr val="accent1">
+                    <a:shade val="50000"/>
+                  </a:schemeClr>
+                </a:lnRef>
+                <a:fillRef idx="1">
+                  <a:schemeClr val="accent1"/>
+                </a:fillRef>
+                <a:effectRef idx="0">
+                  <a:schemeClr val="accent1"/>
+                </a:effectRef>
+                <a:fontRef idx="minor">
+                  <a:schemeClr val="lt1"/>
+                </a:fontRef>
+              </p:style>
+              <p:txBody>
+                <a:bodyPr rtlCol="0" anchor="ctr"/>
+                <a:lstStyle/>
+                <a:p>
+                  <a:pPr algn="ctr"/>
+                  <a:endParaRPr lang="en-US"/>
+                </a:p>
+              </p:txBody>
+            </p:sp>
+          </p:grpSp>
+          <p:cxnSp>
+            <p:nvCxnSpPr>
+              <p:cNvPr id="137" name="Straight Connector 136"/>
+              <p:cNvCxnSpPr/>
+              <p:nvPr/>
+            </p:nvCxnSpPr>
+            <p:spPr>
+              <a:xfrm>
+                <a:off x="2941662" y="2044814"/>
+                <a:ext cx="0" cy="324730"/>
+              </a:xfrm>
+              <a:prstGeom prst="line">
+                <a:avLst/>
+              </a:prstGeom>
+              <a:ln w="38100">
+                <a:solidFill>
+                  <a:schemeClr val="tx1"/>
+                </a:solidFill>
+                <a:headEnd type="triangle" w="med" len="med"/>
+                <a:tailEnd type="triangle" w="med" len="med"/>
+              </a:ln>
+            </p:spPr>
+            <p:style>
+              <a:lnRef idx="1">
+                <a:schemeClr val="accent1"/>
+              </a:lnRef>
+              <a:fillRef idx="0">
+                <a:schemeClr val="accent1"/>
+              </a:fillRef>
+              <a:effectRef idx="0">
+                <a:schemeClr val="accent1"/>
+              </a:effectRef>
+              <a:fontRef idx="minor">
+                <a:schemeClr val="tx1"/>
+              </a:fontRef>
+            </p:style>
+          </p:cxnSp>
+          <p:grpSp>
+            <p:nvGrpSpPr>
+              <p:cNvPr id="138" name="Group 137"/>
+              <p:cNvGrpSpPr/>
+              <p:nvPr/>
+            </p:nvGrpSpPr>
+            <p:grpSpPr>
+              <a:xfrm>
+                <a:off x="2339928" y="3150839"/>
+                <a:ext cx="1386807" cy="1529366"/>
+                <a:chOff x="6730932" y="2201543"/>
+                <a:chExt cx="1386807" cy="1529366"/>
+              </a:xfrm>
+            </p:grpSpPr>
+            <p:grpSp>
+              <p:nvGrpSpPr>
+                <p:cNvPr id="140" name="Group 139"/>
+                <p:cNvGrpSpPr/>
+                <p:nvPr/>
+              </p:nvGrpSpPr>
+              <p:grpSpPr>
+                <a:xfrm>
+                  <a:off x="6851258" y="2364829"/>
+                  <a:ext cx="1144481" cy="938289"/>
+                  <a:chOff x="3181417" y="3788229"/>
+                  <a:chExt cx="1872343" cy="1785257"/>
+                </a:xfrm>
+              </p:grpSpPr>
+              <p:grpSp>
+                <p:nvGrpSpPr>
+                  <p:cNvPr id="146" name="Group 145"/>
+                  <p:cNvGrpSpPr/>
+                  <p:nvPr/>
+                </p:nvGrpSpPr>
+                <p:grpSpPr>
+                  <a:xfrm>
+                    <a:off x="3181417" y="3788229"/>
+                    <a:ext cx="1872343" cy="1785257"/>
+                    <a:chOff x="3181417" y="3788229"/>
+                    <a:chExt cx="1872343" cy="1785257"/>
+                  </a:xfrm>
+                </p:grpSpPr>
+                <p:sp>
+                  <p:nvSpPr>
+                    <p:cNvPr id="173" name="Rectangle 172"/>
+                    <p:cNvSpPr/>
+                    <p:nvPr/>
+                  </p:nvSpPr>
+                  <p:spPr>
+                    <a:xfrm>
+                      <a:off x="3181417" y="4953000"/>
+                      <a:ext cx="631372" cy="620486"/>
+                    </a:xfrm>
+                    <a:prstGeom prst="rect">
+                      <a:avLst/>
+                    </a:prstGeom>
+                    <a:solidFill>
+                      <a:schemeClr val="bg2">
+                        <a:lumMod val="90000"/>
+                      </a:schemeClr>
+                    </a:solidFill>
+                    <a:ln>
+                      <a:solidFill>
+                        <a:schemeClr val="tx1"/>
+                      </a:solidFill>
+                    </a:ln>
+                  </p:spPr>
+                  <p:style>
+                    <a:lnRef idx="2">
+                      <a:schemeClr val="accent1">
+                        <a:shade val="50000"/>
+                      </a:schemeClr>
+                    </a:lnRef>
+                    <a:fillRef idx="1">
+                      <a:schemeClr val="accent1"/>
+                    </a:fillRef>
+                    <a:effectRef idx="0">
+                      <a:schemeClr val="accent1"/>
+                    </a:effectRef>
+                    <a:fontRef idx="minor">
+                      <a:schemeClr val="lt1"/>
+                    </a:fontRef>
+                  </p:style>
+                  <p:txBody>
+                    <a:bodyPr rtlCol="0" anchor="ctr"/>
+                    <a:lstStyle/>
+                    <a:p>
+                      <a:pPr algn="ctr"/>
+                      <a:r>
+                        <a:rPr lang="en-US" sz="2400" dirty="0" smtClean="0">
+                          <a:solidFill>
+                            <a:schemeClr val="tx1"/>
+                          </a:solidFill>
+                        </a:rPr>
+                        <a:t>E</a:t>
+                      </a:r>
+                      <a:endParaRPr lang="en-US" sz="2400" dirty="0">
+                        <a:solidFill>
+                          <a:schemeClr val="tx1"/>
+                        </a:solidFill>
+                      </a:endParaRPr>
+                    </a:p>
+                  </p:txBody>
+                </p:sp>
+                <p:sp>
+                  <p:nvSpPr>
+                    <p:cNvPr id="175" name="Rectangle 174"/>
+                    <p:cNvSpPr/>
+                    <p:nvPr/>
+                  </p:nvSpPr>
+                  <p:spPr>
+                    <a:xfrm>
+                      <a:off x="4422388" y="4953000"/>
+                      <a:ext cx="631372" cy="620486"/>
+                    </a:xfrm>
+                    <a:prstGeom prst="rect">
+                      <a:avLst/>
+                    </a:prstGeom>
+                    <a:solidFill>
+                      <a:schemeClr val="bg2">
+                        <a:lumMod val="90000"/>
+                      </a:schemeClr>
+                    </a:solidFill>
+                    <a:ln>
+                      <a:solidFill>
+                        <a:schemeClr val="tx1"/>
+                      </a:solidFill>
+                    </a:ln>
+                  </p:spPr>
+                  <p:style>
+                    <a:lnRef idx="2">
+                      <a:schemeClr val="accent1">
+                        <a:shade val="50000"/>
+                      </a:schemeClr>
+                    </a:lnRef>
+                    <a:fillRef idx="1">
+                      <a:schemeClr val="accent1"/>
+                    </a:fillRef>
+                    <a:effectRef idx="0">
+                      <a:schemeClr val="accent1"/>
+                    </a:effectRef>
+                    <a:fontRef idx="minor">
+                      <a:schemeClr val="lt1"/>
+                    </a:fontRef>
+                  </p:style>
+                  <p:txBody>
+                    <a:bodyPr rtlCol="0" anchor="ctr"/>
+                    <a:lstStyle/>
+                    <a:p>
+                      <a:pPr algn="ctr"/>
+                      <a:r>
+                        <a:rPr lang="en-US" sz="2400" dirty="0" smtClean="0">
+                          <a:solidFill>
+                            <a:schemeClr val="tx1"/>
+                          </a:solidFill>
+                        </a:rPr>
+                        <a:t>F</a:t>
+                      </a:r>
+                      <a:endParaRPr lang="en-US" sz="2400" dirty="0">
+                        <a:solidFill>
+                          <a:schemeClr val="tx1"/>
+                        </a:solidFill>
+                      </a:endParaRPr>
+                    </a:p>
+                  </p:txBody>
+                </p:sp>
+                <p:sp>
+                  <p:nvSpPr>
+                    <p:cNvPr id="176" name="Rectangle 175"/>
+                    <p:cNvSpPr/>
+                    <p:nvPr/>
+                  </p:nvSpPr>
+                  <p:spPr>
+                    <a:xfrm>
+                      <a:off x="3181417" y="3788229"/>
+                      <a:ext cx="631372" cy="620486"/>
+                    </a:xfrm>
+                    <a:prstGeom prst="rect">
+                      <a:avLst/>
+                    </a:prstGeom>
+                    <a:solidFill>
+                      <a:schemeClr val="bg2">
+                        <a:lumMod val="90000"/>
+                      </a:schemeClr>
+                    </a:solidFill>
+                    <a:ln>
+                      <a:solidFill>
+                        <a:schemeClr val="tx1"/>
+                      </a:solidFill>
+                    </a:ln>
+                  </p:spPr>
+                  <p:style>
+                    <a:lnRef idx="2">
+                      <a:schemeClr val="accent1">
+                        <a:shade val="50000"/>
+                      </a:schemeClr>
+                    </a:lnRef>
+                    <a:fillRef idx="1">
+                      <a:schemeClr val="accent1"/>
+                    </a:fillRef>
+                    <a:effectRef idx="0">
+                      <a:schemeClr val="accent1"/>
+                    </a:effectRef>
+                    <a:fontRef idx="minor">
+                      <a:schemeClr val="lt1"/>
+                    </a:fontRef>
+                  </p:style>
+                  <p:txBody>
+                    <a:bodyPr rtlCol="0" anchor="ctr"/>
+                    <a:lstStyle/>
+                    <a:p>
+                      <a:pPr algn="ctr"/>
+                      <a:r>
+                        <a:rPr lang="en-US" sz="2400" dirty="0" smtClean="0">
+                          <a:solidFill>
+                            <a:schemeClr val="tx1"/>
+                          </a:solidFill>
+                        </a:rPr>
+                        <a:t>G</a:t>
+                      </a:r>
+                      <a:endParaRPr lang="en-US" sz="2400" dirty="0">
+                        <a:solidFill>
+                          <a:schemeClr val="tx1"/>
+                        </a:solidFill>
+                      </a:endParaRPr>
+                    </a:p>
+                  </p:txBody>
+                </p:sp>
+                <p:sp>
+                  <p:nvSpPr>
+                    <p:cNvPr id="178" name="Rectangle 177"/>
+                    <p:cNvSpPr/>
+                    <p:nvPr/>
+                  </p:nvSpPr>
+                  <p:spPr>
+                    <a:xfrm>
+                      <a:off x="4422388" y="3788229"/>
+                      <a:ext cx="631372" cy="620486"/>
+                    </a:xfrm>
+                    <a:prstGeom prst="rect">
+                      <a:avLst/>
+                    </a:prstGeom>
+                    <a:solidFill>
+                      <a:schemeClr val="bg2">
+                        <a:lumMod val="90000"/>
+                      </a:schemeClr>
+                    </a:solidFill>
+                    <a:ln>
+                      <a:solidFill>
+                        <a:schemeClr val="tx1"/>
+                      </a:solidFill>
+                    </a:ln>
+                  </p:spPr>
+                  <p:style>
+                    <a:lnRef idx="2">
+                      <a:schemeClr val="accent1">
+                        <a:shade val="50000"/>
+                      </a:schemeClr>
+                    </a:lnRef>
+                    <a:fillRef idx="1">
+                      <a:schemeClr val="accent1"/>
+                    </a:fillRef>
+                    <a:effectRef idx="0">
+                      <a:schemeClr val="accent1"/>
+                    </a:effectRef>
+                    <a:fontRef idx="minor">
+                      <a:schemeClr val="lt1"/>
+                    </a:fontRef>
+                  </p:style>
+                  <p:txBody>
+                    <a:bodyPr rtlCol="0" anchor="ctr"/>
+                    <a:lstStyle/>
+                    <a:p>
+                      <a:pPr algn="ctr"/>
+                      <a:r>
+                        <a:rPr lang="en-US" sz="2400" dirty="0" smtClean="0">
+                          <a:solidFill>
+                            <a:schemeClr val="tx1"/>
+                          </a:solidFill>
+                        </a:rPr>
+                        <a:t>H</a:t>
+                      </a:r>
+                      <a:endParaRPr lang="en-US" sz="2400" dirty="0">
+                        <a:solidFill>
+                          <a:schemeClr val="tx1"/>
+                        </a:solidFill>
+                      </a:endParaRPr>
+                    </a:p>
+                  </p:txBody>
+                </p:sp>
+              </p:grpSp>
+              <p:cxnSp>
+                <p:nvCxnSpPr>
+                  <p:cNvPr id="147" name="Straight Connector 146"/>
+                  <p:cNvCxnSpPr/>
+                  <p:nvPr/>
+                </p:nvCxnSpPr>
+                <p:spPr>
+                  <a:xfrm>
+                    <a:off x="3497103" y="4408715"/>
+                    <a:ext cx="0" cy="544285"/>
+                  </a:xfrm>
+                  <a:prstGeom prst="line">
+                    <a:avLst/>
+                  </a:prstGeom>
+                  <a:ln w="19050">
+                    <a:solidFill>
+                      <a:schemeClr val="tx1"/>
+                    </a:solidFill>
+                  </a:ln>
+                </p:spPr>
+                <p:style>
+                  <a:lnRef idx="1">
+                    <a:schemeClr val="accent1"/>
+                  </a:lnRef>
+                  <a:fillRef idx="0">
+                    <a:schemeClr val="accent1"/>
+                  </a:fillRef>
+                  <a:effectRef idx="0">
+                    <a:schemeClr val="accent1"/>
+                  </a:effectRef>
+                  <a:fontRef idx="minor">
+                    <a:schemeClr val="tx1"/>
+                  </a:fontRef>
+                </p:style>
+              </p:cxnSp>
+              <p:cxnSp>
+                <p:nvCxnSpPr>
+                  <p:cNvPr id="148" name="Straight Connector 147"/>
+                  <p:cNvCxnSpPr/>
+                  <p:nvPr/>
+                </p:nvCxnSpPr>
+                <p:spPr>
+                  <a:xfrm>
+                    <a:off x="4738074" y="4408715"/>
+                    <a:ext cx="0" cy="544285"/>
+                  </a:xfrm>
+                  <a:prstGeom prst="line">
+                    <a:avLst/>
+                  </a:prstGeom>
+                  <a:ln w="19050">
+                    <a:solidFill>
+                      <a:schemeClr val="tx1"/>
+                    </a:solidFill>
+                  </a:ln>
+                </p:spPr>
+                <p:style>
+                  <a:lnRef idx="1">
+                    <a:schemeClr val="accent1"/>
+                  </a:lnRef>
+                  <a:fillRef idx="0">
+                    <a:schemeClr val="accent1"/>
+                  </a:fillRef>
+                  <a:effectRef idx="0">
+                    <a:schemeClr val="accent1"/>
+                  </a:effectRef>
+                  <a:fontRef idx="minor">
+                    <a:schemeClr val="tx1"/>
+                  </a:fontRef>
+                </p:style>
+              </p:cxnSp>
+              <p:cxnSp>
+                <p:nvCxnSpPr>
+                  <p:cNvPr id="154" name="Straight Connector 153"/>
+                  <p:cNvCxnSpPr/>
+                  <p:nvPr/>
+                </p:nvCxnSpPr>
+                <p:spPr>
+                  <a:xfrm flipH="1">
+                    <a:off x="3812789" y="4419601"/>
+                    <a:ext cx="615043" cy="533398"/>
+                  </a:xfrm>
+                  <a:prstGeom prst="line">
+                    <a:avLst/>
+                  </a:prstGeom>
+                  <a:ln w="19050">
+                    <a:solidFill>
+                      <a:schemeClr val="tx1"/>
+                    </a:solidFill>
+                  </a:ln>
+                </p:spPr>
+                <p:style>
+                  <a:lnRef idx="1">
+                    <a:schemeClr val="accent1"/>
+                  </a:lnRef>
+                  <a:fillRef idx="0">
+                    <a:schemeClr val="accent1"/>
+                  </a:fillRef>
+                  <a:effectRef idx="0">
+                    <a:schemeClr val="accent1"/>
+                  </a:effectRef>
+                  <a:fontRef idx="minor">
+                    <a:schemeClr val="tx1"/>
+                  </a:fontRef>
+                </p:style>
+              </p:cxnSp>
+              <p:cxnSp>
+                <p:nvCxnSpPr>
+                  <p:cNvPr id="155" name="Straight Connector 154"/>
+                  <p:cNvCxnSpPr/>
+                  <p:nvPr/>
+                </p:nvCxnSpPr>
+                <p:spPr>
+                  <a:xfrm>
+                    <a:off x="3812789" y="4419601"/>
+                    <a:ext cx="609599" cy="544285"/>
+                  </a:xfrm>
+                  <a:prstGeom prst="line">
+                    <a:avLst/>
+                  </a:prstGeom>
+                  <a:ln w="19050">
+                    <a:solidFill>
+                      <a:schemeClr val="tx1"/>
+                    </a:solidFill>
+                  </a:ln>
+                </p:spPr>
+                <p:style>
+                  <a:lnRef idx="1">
+                    <a:schemeClr val="accent1"/>
+                  </a:lnRef>
+                  <a:fillRef idx="0">
+                    <a:schemeClr val="accent1"/>
+                  </a:fillRef>
+                  <a:effectRef idx="0">
+                    <a:schemeClr val="accent1"/>
+                  </a:effectRef>
+                  <a:fontRef idx="minor">
+                    <a:schemeClr val="tx1"/>
+                  </a:fontRef>
+                </p:style>
+              </p:cxnSp>
+            </p:grpSp>
+            <p:sp>
+              <p:nvSpPr>
+                <p:cNvPr id="141" name="TextBox 140"/>
+                <p:cNvSpPr txBox="1"/>
+                <p:nvPr/>
+              </p:nvSpPr>
+              <p:spPr>
+                <a:xfrm>
+                  <a:off x="6763788" y="3269244"/>
+                  <a:ext cx="625954" cy="461665"/>
+                </a:xfrm>
+                <a:prstGeom prst="rect">
+                  <a:avLst/>
+                </a:prstGeom>
+                <a:noFill/>
+              </p:spPr>
+              <p:txBody>
+                <a:bodyPr wrap="square" rtlCol="0">
+                  <a:spAutoFit/>
+                </a:bodyPr>
+                <a:lstStyle/>
+                <a:p>
+                  <a:pPr algn="ctr"/>
+                  <a:r>
+                    <a:rPr lang="en-US" sz="2400" smtClean="0"/>
+                    <a:t>PL1</a:t>
+                  </a:r>
+                  <a:endParaRPr lang="en-US" sz="2400" baseline="-25000" dirty="0"/>
+                </a:p>
+              </p:txBody>
+            </p:sp>
+            <p:sp>
+              <p:nvSpPr>
+                <p:cNvPr id="142" name="TextBox 141"/>
+                <p:cNvSpPr txBox="1"/>
+                <p:nvPr/>
+              </p:nvSpPr>
+              <p:spPr>
+                <a:xfrm>
+                  <a:off x="7484128" y="3268790"/>
+                  <a:ext cx="633611" cy="461665"/>
+                </a:xfrm>
+                <a:prstGeom prst="rect">
+                  <a:avLst/>
+                </a:prstGeom>
+                <a:noFill/>
+              </p:spPr>
+              <p:txBody>
+                <a:bodyPr wrap="square" rtlCol="0">
+                  <a:spAutoFit/>
+                </a:bodyPr>
+                <a:lstStyle/>
+                <a:p>
+                  <a:pPr algn="ctr"/>
+                  <a:r>
+                    <a:rPr lang="en-US" sz="2400" smtClean="0"/>
+                    <a:t>PL2</a:t>
+                  </a:r>
+                  <a:endParaRPr lang="en-US" sz="2400" baseline="-25000" dirty="0"/>
+                </a:p>
+              </p:txBody>
+            </p:sp>
+            <p:sp>
+              <p:nvSpPr>
+                <p:cNvPr id="145" name="Rectangle 144"/>
+                <p:cNvSpPr/>
+                <p:nvPr/>
+              </p:nvSpPr>
+              <p:spPr>
+                <a:xfrm>
+                  <a:off x="6730932" y="2201543"/>
+                  <a:ext cx="1350705" cy="1528912"/>
+                </a:xfrm>
+                <a:prstGeom prst="rect">
+                  <a:avLst/>
+                </a:prstGeom>
+                <a:noFill/>
+                <a:ln>
+                  <a:solidFill>
+                    <a:schemeClr val="tx1"/>
+                  </a:solidFill>
+                  <a:prstDash val="dashDot"/>
+                </a:ln>
+              </p:spPr>
+              <p:style>
+                <a:lnRef idx="2">
+                  <a:schemeClr val="accent1">
+                    <a:shade val="50000"/>
+                  </a:schemeClr>
+                </a:lnRef>
+                <a:fillRef idx="1">
+                  <a:schemeClr val="accent1"/>
+                </a:fillRef>
+                <a:effectRef idx="0">
+                  <a:schemeClr val="accent1"/>
+                </a:effectRef>
+                <a:fontRef idx="minor">
+                  <a:schemeClr val="lt1"/>
+                </a:fontRef>
+              </p:style>
+              <p:txBody>
+                <a:bodyPr rtlCol="0" anchor="ctr"/>
+                <a:lstStyle/>
+                <a:p>
+                  <a:pPr algn="ctr"/>
+                  <a:endParaRPr lang="en-US"/>
+                </a:p>
+              </p:txBody>
+            </p:sp>
+          </p:grpSp>
+          <p:cxnSp>
+            <p:nvCxnSpPr>
+              <p:cNvPr id="139" name="Straight Connector 138"/>
+              <p:cNvCxnSpPr/>
+              <p:nvPr/>
+            </p:nvCxnSpPr>
+            <p:spPr>
+              <a:xfrm>
+                <a:off x="1374595" y="2058008"/>
+                <a:ext cx="0" cy="324730"/>
+              </a:xfrm>
+              <a:prstGeom prst="line">
+                <a:avLst/>
+              </a:prstGeom>
+              <a:ln w="38100">
+                <a:solidFill>
+                  <a:schemeClr val="tx1"/>
+                </a:solidFill>
+                <a:headEnd type="triangle" w="med" len="med"/>
+                <a:tailEnd type="triangle" w="med" len="med"/>
+              </a:ln>
+            </p:spPr>
+            <p:style>
+              <a:lnRef idx="1">
+                <a:schemeClr val="accent1"/>
+              </a:lnRef>
+              <a:fillRef idx="0">
+                <a:schemeClr val="accent1"/>
+              </a:fillRef>
+              <a:effectRef idx="0">
+                <a:schemeClr val="accent1"/>
+              </a:effectRef>
+              <a:fontRef idx="minor">
+                <a:schemeClr val="tx1"/>
+              </a:fontRef>
+            </p:style>
+          </p:cxnSp>
+        </p:grpSp>
       </p:grpSp>
     </p:spTree>
     <p:extLst>
@@ -6481,7 +6374,7 @@
       </p:grpSpPr>
       <p:pic>
         <p:nvPicPr>
-          <p:cNvPr id="4" name="Picture 3"/>
+          <p:cNvPr id="2" name="Picture 1"/>
           <p:cNvPicPr>
             <a:picLocks noChangeAspect="1"/>
           </p:cNvPicPr>
@@ -6495,8 +6388,8 @@
         </p:blipFill>
         <p:spPr>
           <a:xfrm>
-            <a:off x="2279139" y="1538951"/>
-            <a:ext cx="6511092" cy="3200677"/>
+            <a:off x="2686050" y="1682750"/>
+            <a:ext cx="6819900" cy="3492500"/>
           </a:xfrm>
           <a:prstGeom prst="rect">
             <a:avLst/>
